--- a/presentation/Multimodal Project Presentation.pptx
+++ b/presentation/Multimodal Project Presentation.pptx
@@ -27,22 +27,21 @@
     <p:sldId id="272" r:id="rId22"/>
     <p:sldId id="273" r:id="rId23"/>
     <p:sldId id="274" r:id="rId24"/>
-    <p:sldId id="275" r:id="rId25"/>
   </p:sldIdLst>
   <p:sldSz cy="5143500" cx="9144000"/>
   <p:notesSz cx="6858000" cy="9144000"/>
   <p:embeddedFontLst>
     <p:embeddedFont>
       <p:font typeface="Nunito"/>
-      <p:regular r:id="rId26"/>
-      <p:bold r:id="rId27"/>
-      <p:italic r:id="rId28"/>
-      <p:boldItalic r:id="rId29"/>
+      <p:regular r:id="rId25"/>
+      <p:bold r:id="rId26"/>
+      <p:italic r:id="rId27"/>
+      <p:boldItalic r:id="rId28"/>
     </p:embeddedFont>
     <p:embeddedFont>
       <p:font typeface="Maven Pro"/>
-      <p:regular r:id="rId30"/>
-      <p:bold r:id="rId31"/>
+      <p:regular r:id="rId29"/>
+      <p:bold r:id="rId30"/>
     </p:embeddedFont>
   </p:embeddedFontLst>
   <p:defaultTextStyle>
@@ -823,7 +822,7 @@
   <p:cSld>
     <p:spTree>
       <p:nvGrpSpPr>
-        <p:cNvPr id="331" name="Shape 331"/>
+        <p:cNvPr id="333" name="Shape 333"/>
         <p:cNvGrpSpPr/>
         <p:nvPr/>
       </p:nvGrpSpPr>
@@ -837,7 +836,7 @@
       </p:grpSpPr>
       <p:sp>
         <p:nvSpPr>
-          <p:cNvPr id="332" name="Google Shape;332;ge3c068573b_0_2745:notes"/>
+          <p:cNvPr id="334" name="Google Shape;334;ge3c068573b_0_2759:notes"/>
           <p:cNvSpPr/>
           <p:nvPr>
             <p:ph idx="2" type="sldImg"/>
@@ -872,7 +871,7 @@
       </p:sp>
       <p:sp>
         <p:nvSpPr>
-          <p:cNvPr id="333" name="Google Shape;333;ge3c068573b_0_2745:notes"/>
+          <p:cNvPr id="335" name="Google Shape;335;ge3c068573b_0_2759:notes"/>
           <p:cNvSpPr txBox="1"/>
           <p:nvPr>
             <p:ph idx="1" type="body"/>
@@ -922,7 +921,7 @@
   <p:cSld>
     <p:spTree>
       <p:nvGrpSpPr>
-        <p:cNvPr id="338" name="Shape 338"/>
+        <p:cNvPr id="340" name="Shape 340"/>
         <p:cNvGrpSpPr/>
         <p:nvPr/>
       </p:nvGrpSpPr>
@@ -936,7 +935,7 @@
       </p:grpSpPr>
       <p:sp>
         <p:nvSpPr>
-          <p:cNvPr id="339" name="Google Shape;339;ge3c068573b_0_2752:notes"/>
+          <p:cNvPr id="341" name="Google Shape;341;ge3c068573b_0_2766:notes"/>
           <p:cNvSpPr/>
           <p:nvPr>
             <p:ph idx="2" type="sldImg"/>
@@ -971,7 +970,7 @@
       </p:sp>
       <p:sp>
         <p:nvSpPr>
-          <p:cNvPr id="340" name="Google Shape;340;ge3c068573b_0_2752:notes"/>
+          <p:cNvPr id="342" name="Google Shape;342;ge3c068573b_0_2766:notes"/>
           <p:cNvSpPr txBox="1"/>
           <p:nvPr>
             <p:ph idx="1" type="body"/>
@@ -1021,7 +1020,7 @@
   <p:cSld>
     <p:spTree>
       <p:nvGrpSpPr>
-        <p:cNvPr id="345" name="Shape 345"/>
+        <p:cNvPr id="348" name="Shape 348"/>
         <p:cNvGrpSpPr/>
         <p:nvPr/>
       </p:nvGrpSpPr>
@@ -1035,7 +1034,7 @@
       </p:grpSpPr>
       <p:sp>
         <p:nvSpPr>
-          <p:cNvPr id="346" name="Google Shape;346;ge3c068573b_0_2759:notes"/>
+          <p:cNvPr id="349" name="Google Shape;349;ge3c068573b_0_2808:notes"/>
           <p:cNvSpPr/>
           <p:nvPr>
             <p:ph idx="2" type="sldImg"/>
@@ -1070,7 +1069,7 @@
       </p:sp>
       <p:sp>
         <p:nvSpPr>
-          <p:cNvPr id="347" name="Google Shape;347;ge3c068573b_0_2759:notes"/>
+          <p:cNvPr id="350" name="Google Shape;350;ge3c068573b_0_2808:notes"/>
           <p:cNvSpPr txBox="1"/>
           <p:nvPr>
             <p:ph idx="1" type="body"/>
@@ -1120,7 +1119,7 @@
   <p:cSld>
     <p:spTree>
       <p:nvGrpSpPr>
-        <p:cNvPr id="352" name="Shape 352"/>
+        <p:cNvPr id="356" name="Shape 356"/>
         <p:cNvGrpSpPr/>
         <p:nvPr/>
       </p:nvGrpSpPr>
@@ -1134,7 +1133,7 @@
       </p:grpSpPr>
       <p:sp>
         <p:nvSpPr>
-          <p:cNvPr id="353" name="Google Shape;353;ge3c068573b_0_2766:notes"/>
+          <p:cNvPr id="357" name="Google Shape;357;ge3c068573b_0_2800:notes"/>
           <p:cNvSpPr/>
           <p:nvPr>
             <p:ph idx="2" type="sldImg"/>
@@ -1169,7 +1168,7 @@
       </p:sp>
       <p:sp>
         <p:nvSpPr>
-          <p:cNvPr id="354" name="Google Shape;354;ge3c068573b_0_2766:notes"/>
+          <p:cNvPr id="358" name="Google Shape;358;ge3c068573b_0_2800:notes"/>
           <p:cNvSpPr txBox="1"/>
           <p:nvPr>
             <p:ph idx="1" type="body"/>
@@ -1219,7 +1218,7 @@
   <p:cSld>
     <p:spTree>
       <p:nvGrpSpPr>
-        <p:cNvPr id="360" name="Shape 360"/>
+        <p:cNvPr id="364" name="Shape 364"/>
         <p:cNvGrpSpPr/>
         <p:nvPr/>
       </p:nvGrpSpPr>
@@ -1233,7 +1232,7 @@
       </p:grpSpPr>
       <p:sp>
         <p:nvSpPr>
-          <p:cNvPr id="361" name="Google Shape;361;ge3c068573b_0_2808:notes"/>
+          <p:cNvPr id="365" name="Google Shape;365;ge3c068573b_0_2819:notes"/>
           <p:cNvSpPr/>
           <p:nvPr>
             <p:ph idx="2" type="sldImg"/>
@@ -1268,7 +1267,7 @@
       </p:sp>
       <p:sp>
         <p:nvSpPr>
-          <p:cNvPr id="362" name="Google Shape;362;ge3c068573b_0_2808:notes"/>
+          <p:cNvPr id="366" name="Google Shape;366;ge3c068573b_0_2819:notes"/>
           <p:cNvSpPr txBox="1"/>
           <p:nvPr>
             <p:ph idx="1" type="body"/>
@@ -1318,7 +1317,7 @@
   <p:cSld>
     <p:spTree>
       <p:nvGrpSpPr>
-        <p:cNvPr id="368" name="Shape 368"/>
+        <p:cNvPr id="372" name="Shape 372"/>
         <p:cNvGrpSpPr/>
         <p:nvPr/>
       </p:nvGrpSpPr>
@@ -1332,7 +1331,7 @@
       </p:grpSpPr>
       <p:sp>
         <p:nvSpPr>
-          <p:cNvPr id="369" name="Google Shape;369;ge3c068573b_0_2800:notes"/>
+          <p:cNvPr id="373" name="Google Shape;373;ge3c068573b_0_2835:notes"/>
           <p:cNvSpPr/>
           <p:nvPr>
             <p:ph idx="2" type="sldImg"/>
@@ -1367,7 +1366,7 @@
       </p:sp>
       <p:sp>
         <p:nvSpPr>
-          <p:cNvPr id="370" name="Google Shape;370;ge3c068573b_0_2800:notes"/>
+          <p:cNvPr id="374" name="Google Shape;374;ge3c068573b_0_2835:notes"/>
           <p:cNvSpPr txBox="1"/>
           <p:nvPr>
             <p:ph idx="1" type="body"/>
@@ -1417,7 +1416,7 @@
   <p:cSld>
     <p:spTree>
       <p:nvGrpSpPr>
-        <p:cNvPr id="376" name="Shape 376"/>
+        <p:cNvPr id="379" name="Shape 379"/>
         <p:cNvGrpSpPr/>
         <p:nvPr/>
       </p:nvGrpSpPr>
@@ -1431,7 +1430,7 @@
       </p:grpSpPr>
       <p:sp>
         <p:nvSpPr>
-          <p:cNvPr id="377" name="Google Shape;377;ge3c068573b_0_2819:notes"/>
+          <p:cNvPr id="380" name="Google Shape;380;ge3c068573b_0_2868:notes"/>
           <p:cNvSpPr/>
           <p:nvPr>
             <p:ph idx="2" type="sldImg"/>
@@ -1466,7 +1465,7 @@
       </p:sp>
       <p:sp>
         <p:nvSpPr>
-          <p:cNvPr id="378" name="Google Shape;378;ge3c068573b_0_2819:notes"/>
+          <p:cNvPr id="381" name="Google Shape;381;ge3c068573b_0_2868:notes"/>
           <p:cNvSpPr txBox="1"/>
           <p:nvPr>
             <p:ph idx="1" type="body"/>
@@ -1530,7 +1529,7 @@
       </p:grpSpPr>
       <p:sp>
         <p:nvSpPr>
-          <p:cNvPr id="385" name="Google Shape;385;ge3c068573b_0_2835:notes"/>
+          <p:cNvPr id="385" name="Google Shape;385;ge3c068573b_0_2828:notes"/>
           <p:cNvSpPr/>
           <p:nvPr>
             <p:ph idx="2" type="sldImg"/>
@@ -1565,7 +1564,7 @@
       </p:sp>
       <p:sp>
         <p:nvSpPr>
-          <p:cNvPr id="386" name="Google Shape;386;ge3c068573b_0_2835:notes"/>
+          <p:cNvPr id="386" name="Google Shape;386;ge3c068573b_0_2828:notes"/>
           <p:cNvSpPr txBox="1"/>
           <p:nvPr>
             <p:ph idx="1" type="body"/>
@@ -1615,7 +1614,7 @@
   <p:cSld>
     <p:spTree>
       <p:nvGrpSpPr>
-        <p:cNvPr id="391" name="Shape 391"/>
+        <p:cNvPr id="390" name="Shape 390"/>
         <p:cNvGrpSpPr/>
         <p:nvPr/>
       </p:nvGrpSpPr>
@@ -1629,7 +1628,7 @@
       </p:grpSpPr>
       <p:sp>
         <p:nvSpPr>
-          <p:cNvPr id="392" name="Google Shape;392;ge3c068573b_0_2828:notes"/>
+          <p:cNvPr id="391" name="Google Shape;391;ge3c068573b_0_2844:notes"/>
           <p:cNvSpPr/>
           <p:nvPr>
             <p:ph idx="2" type="sldImg"/>
@@ -1664,7 +1663,7 @@
       </p:sp>
       <p:sp>
         <p:nvSpPr>
-          <p:cNvPr id="393" name="Google Shape;393;ge3c068573b_0_2828:notes"/>
+          <p:cNvPr id="392" name="Google Shape;392;ge3c068573b_0_2844:notes"/>
           <p:cNvSpPr txBox="1"/>
           <p:nvPr>
             <p:ph idx="1" type="body"/>
@@ -1714,7 +1713,7 @@
   <p:cSld>
     <p:spTree>
       <p:nvGrpSpPr>
-        <p:cNvPr id="397" name="Shape 397"/>
+        <p:cNvPr id="396" name="Shape 396"/>
         <p:cNvGrpSpPr/>
         <p:nvPr/>
       </p:nvGrpSpPr>
@@ -1728,7 +1727,7 @@
       </p:grpSpPr>
       <p:sp>
         <p:nvSpPr>
-          <p:cNvPr id="398" name="Google Shape;398;ge3c068573b_0_2844:notes"/>
+          <p:cNvPr id="397" name="Google Shape;397;ge3c068573b_0_2849:notes"/>
           <p:cNvSpPr/>
           <p:nvPr>
             <p:ph idx="2" type="sldImg"/>
@@ -1763,7 +1762,7 @@
       </p:sp>
       <p:sp>
         <p:nvSpPr>
-          <p:cNvPr id="399" name="Google Shape;399;ge3c068573b_0_2844:notes"/>
+          <p:cNvPr id="398" name="Google Shape;398;ge3c068573b_0_2849:notes"/>
           <p:cNvSpPr txBox="1"/>
           <p:nvPr>
             <p:ph idx="1" type="body"/>
@@ -1907,105 +1906,6 @@
 </p:notes>
 </file>
 
-<file path=ppt/notesSlides/notesSlide20.xml><?xml version="1.0" encoding="utf-8"?>
-<p:notes xmlns:a="http://schemas.openxmlformats.org/drawingml/2006/main" xmlns:r="http://schemas.openxmlformats.org/officeDocument/2006/relationships" xmlns:mc="http://schemas.openxmlformats.org/markup-compatibility/2006" xmlns:mv="urn:schemas-microsoft-com:mac:vml" xmlns:p="http://schemas.openxmlformats.org/presentationml/2006/main" xmlns:c="http://schemas.openxmlformats.org/drawingml/2006/chart" xmlns:dgm="http://schemas.openxmlformats.org/drawingml/2006/diagram" xmlns:o="urn:schemas-microsoft-com:office:office" xmlns:v="urn:schemas-microsoft-com:vml" xmlns:pvml="urn:schemas-microsoft-com:office:powerpoint" xmlns:com="http://schemas.openxmlformats.org/drawingml/2006/compatibility" xmlns:p14="http://schemas.microsoft.com/office/powerpoint/2010/main" xmlns:p15="http://schemas.microsoft.com/office/powerpoint/2012/main" xmlns:ahyp="http://schemas.microsoft.com/office/drawing/2018/hyperlinkcolor" showMasterPhAnim="0" showMasterSp="0">
-  <p:cSld>
-    <p:spTree>
-      <p:nvGrpSpPr>
-        <p:cNvPr id="403" name="Shape 403"/>
-        <p:cNvGrpSpPr/>
-        <p:nvPr/>
-      </p:nvGrpSpPr>
-      <p:grpSpPr>
-        <a:xfrm>
-          <a:off x="0" y="0"/>
-          <a:ext cx="0" cy="0"/>
-          <a:chOff x="0" y="0"/>
-          <a:chExt cx="0" cy="0"/>
-        </a:xfrm>
-      </p:grpSpPr>
-      <p:sp>
-        <p:nvSpPr>
-          <p:cNvPr id="404" name="Google Shape;404;ge3c068573b_0_2849:notes"/>
-          <p:cNvSpPr/>
-          <p:nvPr>
-            <p:ph idx="2" type="sldImg"/>
-          </p:nvPr>
-        </p:nvSpPr>
-        <p:spPr>
-          <a:xfrm>
-            <a:off x="381300" y="685800"/>
-            <a:ext cx="6096000" cy="3429000"/>
-          </a:xfrm>
-          <a:custGeom>
-            <a:rect b="b" l="l" r="r" t="t"/>
-            <a:pathLst>
-              <a:path extrusionOk="0" h="120000" w="120000">
-                <a:moveTo>
-                  <a:pt x="0" y="0"/>
-                </a:moveTo>
-                <a:lnTo>
-                  <a:pt x="120000" y="0"/>
-                </a:lnTo>
-                <a:lnTo>
-                  <a:pt x="120000" y="120000"/>
-                </a:lnTo>
-                <a:lnTo>
-                  <a:pt x="0" y="120000"/>
-                </a:lnTo>
-                <a:close/>
-              </a:path>
-            </a:pathLst>
-          </a:custGeom>
-        </p:spPr>
-      </p:sp>
-      <p:sp>
-        <p:nvSpPr>
-          <p:cNvPr id="405" name="Google Shape;405;ge3c068573b_0_2849:notes"/>
-          <p:cNvSpPr txBox="1"/>
-          <p:nvPr>
-            <p:ph idx="1" type="body"/>
-          </p:nvPr>
-        </p:nvSpPr>
-        <p:spPr>
-          <a:xfrm>
-            <a:off x="685800" y="4343400"/>
-            <a:ext cx="5486400" cy="4114800"/>
-          </a:xfrm>
-          <a:prstGeom prst="rect">
-            <a:avLst/>
-          </a:prstGeom>
-        </p:spPr>
-        <p:txBody>
-          <a:bodyPr anchorCtr="0" anchor="t" bIns="91425" lIns="91425" spcFirstLastPara="1" rIns="91425" wrap="square" tIns="91425">
-            <a:noAutofit/>
-          </a:bodyPr>
-          <a:lstStyle/>
-          <a:p>
-            <a:pPr indent="0" lvl="0" marL="0" rtl="0" algn="l">
-              <a:spcBef>
-                <a:spcPts val="0"/>
-              </a:spcBef>
-              <a:spcAft>
-                <a:spcPts val="0"/>
-              </a:spcAft>
-              <a:buNone/>
-            </a:pPr>
-            <a:r>
-              <a:t/>
-            </a:r>
-            <a:endParaRPr/>
-          </a:p>
-        </p:txBody>
-      </p:sp>
-    </p:spTree>
-  </p:cSld>
-  <p:clrMapOvr>
-    <a:masterClrMapping/>
-  </p:clrMapOvr>
-</p:notes>
-</file>
-
 <file path=ppt/notesSlides/notesSlide3.xml><?xml version="1.0" encoding="utf-8"?>
 <p:notes xmlns:a="http://schemas.openxmlformats.org/drawingml/2006/main" xmlns:r="http://schemas.openxmlformats.org/officeDocument/2006/relationships" xmlns:mc="http://schemas.openxmlformats.org/markup-compatibility/2006" xmlns:mv="urn:schemas-microsoft-com:mac:vml" xmlns:p="http://schemas.openxmlformats.org/presentationml/2006/main" xmlns:c="http://schemas.openxmlformats.org/drawingml/2006/chart" xmlns:dgm="http://schemas.openxmlformats.org/drawingml/2006/diagram" xmlns:o="urn:schemas-microsoft-com:office:office" xmlns:v="urn:schemas-microsoft-com:vml" xmlns:pvml="urn:schemas-microsoft-com:office:powerpoint" xmlns:com="http://schemas.openxmlformats.org/drawingml/2006/compatibility" xmlns:p14="http://schemas.microsoft.com/office/powerpoint/2010/main" xmlns:p15="http://schemas.microsoft.com/office/powerpoint/2012/main" xmlns:ahyp="http://schemas.microsoft.com/office/drawing/2018/hyperlinkcolor" showMasterPhAnim="0" showMasterSp="0">
   <p:cSld>
@@ -2223,7 +2123,7 @@
       </p:grpSpPr>
       <p:sp>
         <p:nvSpPr>
-          <p:cNvPr id="300" name="Google Shape;300;ge3c068573b_0_2715:notes"/>
+          <p:cNvPr id="300" name="Google Shape;300;ge3c068573b_0_2725:notes"/>
           <p:cNvSpPr/>
           <p:nvPr>
             <p:ph idx="2" type="sldImg"/>
@@ -2258,7 +2158,7 @@
       </p:sp>
       <p:sp>
         <p:nvSpPr>
-          <p:cNvPr id="301" name="Google Shape;301;ge3c068573b_0_2715:notes"/>
+          <p:cNvPr id="301" name="Google Shape;301;ge3c068573b_0_2725:notes"/>
           <p:cNvSpPr txBox="1"/>
           <p:nvPr>
             <p:ph idx="1" type="body"/>
@@ -2322,7 +2222,7 @@
       </p:grpSpPr>
       <p:sp>
         <p:nvSpPr>
-          <p:cNvPr id="306" name="Google Shape;306;ge3c068573b_0_2720:notes"/>
+          <p:cNvPr id="306" name="Google Shape;306;ge3c068573b_0_2732:notes"/>
           <p:cNvSpPr/>
           <p:nvPr>
             <p:ph idx="2" type="sldImg"/>
@@ -2357,7 +2257,7 @@
       </p:sp>
       <p:sp>
         <p:nvSpPr>
-          <p:cNvPr id="307" name="Google Shape;307;ge3c068573b_0_2720:notes"/>
+          <p:cNvPr id="307" name="Google Shape;307;ge3c068573b_0_2732:notes"/>
           <p:cNvSpPr txBox="1"/>
           <p:nvPr>
             <p:ph idx="1" type="body"/>
@@ -2407,7 +2307,7 @@
   <p:cSld>
     <p:spTree>
       <p:nvGrpSpPr>
-        <p:cNvPr id="311" name="Shape 311"/>
+        <p:cNvPr id="312" name="Shape 312"/>
         <p:cNvGrpSpPr/>
         <p:nvPr/>
       </p:nvGrpSpPr>
@@ -2421,7 +2321,7 @@
       </p:grpSpPr>
       <p:sp>
         <p:nvSpPr>
-          <p:cNvPr id="312" name="Google Shape;312;ge3c068573b_0_2725:notes"/>
+          <p:cNvPr id="313" name="Google Shape;313;ge3c068573b_0_2738:notes"/>
           <p:cNvSpPr/>
           <p:nvPr>
             <p:ph idx="2" type="sldImg"/>
@@ -2456,7 +2356,7 @@
       </p:sp>
       <p:sp>
         <p:nvSpPr>
-          <p:cNvPr id="313" name="Google Shape;313;ge3c068573b_0_2725:notes"/>
+          <p:cNvPr id="314" name="Google Shape;314;ge3c068573b_0_2738:notes"/>
           <p:cNvSpPr txBox="1"/>
           <p:nvPr>
             <p:ph idx="1" type="body"/>
@@ -2506,7 +2406,7 @@
   <p:cSld>
     <p:spTree>
       <p:nvGrpSpPr>
-        <p:cNvPr id="317" name="Shape 317"/>
+        <p:cNvPr id="319" name="Shape 319"/>
         <p:cNvGrpSpPr/>
         <p:nvPr/>
       </p:nvGrpSpPr>
@@ -2520,7 +2420,7 @@
       </p:grpSpPr>
       <p:sp>
         <p:nvSpPr>
-          <p:cNvPr id="318" name="Google Shape;318;ge3c068573b_0_2732:notes"/>
+          <p:cNvPr id="320" name="Google Shape;320;ge3c068573b_0_2745:notes"/>
           <p:cNvSpPr/>
           <p:nvPr>
             <p:ph idx="2" type="sldImg"/>
@@ -2555,7 +2455,7 @@
       </p:sp>
       <p:sp>
         <p:nvSpPr>
-          <p:cNvPr id="319" name="Google Shape;319;ge3c068573b_0_2732:notes"/>
+          <p:cNvPr id="321" name="Google Shape;321;ge3c068573b_0_2745:notes"/>
           <p:cNvSpPr txBox="1"/>
           <p:nvPr>
             <p:ph idx="1" type="body"/>
@@ -2605,7 +2505,7 @@
   <p:cSld>
     <p:spTree>
       <p:nvGrpSpPr>
-        <p:cNvPr id="324" name="Shape 324"/>
+        <p:cNvPr id="326" name="Shape 326"/>
         <p:cNvGrpSpPr/>
         <p:nvPr/>
       </p:nvGrpSpPr>
@@ -2619,7 +2519,7 @@
       </p:grpSpPr>
       <p:sp>
         <p:nvSpPr>
-          <p:cNvPr id="325" name="Google Shape;325;ge3c068573b_0_2738:notes"/>
+          <p:cNvPr id="327" name="Google Shape;327;ge3c068573b_0_2752:notes"/>
           <p:cNvSpPr/>
           <p:nvPr>
             <p:ph idx="2" type="sldImg"/>
@@ -2654,7 +2554,7 @@
       </p:sp>
       <p:sp>
         <p:nvSpPr>
-          <p:cNvPr id="326" name="Google Shape;326;ge3c068573b_0_2738:notes"/>
+          <p:cNvPr id="328" name="Google Shape;328;ge3c068573b_0_2752:notes"/>
           <p:cNvSpPr txBox="1"/>
           <p:nvPr>
             <p:ph idx="1" type="body"/>
@@ -17171,7 +17071,7 @@
   <p:cSld>
     <p:spTree>
       <p:nvGrpSpPr>
-        <p:cNvPr id="334" name="Shape 334"/>
+        <p:cNvPr id="336" name="Shape 336"/>
         <p:cNvGrpSpPr/>
         <p:nvPr/>
       </p:nvGrpSpPr>
@@ -17185,7 +17085,7 @@
       </p:grpSpPr>
       <p:sp>
         <p:nvSpPr>
-          <p:cNvPr id="335" name="Google Shape;335;p22"/>
+          <p:cNvPr id="337" name="Google Shape;337;p22"/>
           <p:cNvSpPr txBox="1"/>
           <p:nvPr>
             <p:ph type="ctrTitle"/>
@@ -17226,7 +17126,7 @@
       </p:sp>
       <p:sp>
         <p:nvSpPr>
-          <p:cNvPr id="336" name="Google Shape;336;p22"/>
+          <p:cNvPr id="338" name="Google Shape;338;p22"/>
           <p:cNvSpPr txBox="1"/>
           <p:nvPr>
             <p:ph idx="1" type="subTitle"/>
@@ -17276,7 +17176,7 @@
             </a:pPr>
             <a:r>
               <a:rPr lang="en" sz="2300"/>
-              <a:t>For 3 sec query:</a:t>
+              <a:t>For 5 sec query:</a:t>
             </a:r>
             <a:endParaRPr sz="2300"/>
           </a:p>
@@ -17299,341 +17199,7 @@
       </p:sp>
       <p:pic>
         <p:nvPicPr>
-          <p:cNvPr id="337" name="Google Shape;337;p22"/>
-          <p:cNvPicPr preferRelativeResize="0"/>
-          <p:nvPr/>
-        </p:nvPicPr>
-        <p:blipFill>
-          <a:blip r:embed="rId3">
-            <a:alphaModFix/>
-          </a:blip>
-          <a:stretch>
-            <a:fillRect/>
-          </a:stretch>
-        </p:blipFill>
-        <p:spPr>
-          <a:xfrm>
-            <a:off x="4858625" y="1106725"/>
-            <a:ext cx="3963349" cy="4004925"/>
-          </a:xfrm>
-          <a:prstGeom prst="rect">
-            <a:avLst/>
-          </a:prstGeom>
-          <a:noFill/>
-          <a:ln>
-            <a:noFill/>
-          </a:ln>
-        </p:spPr>
-      </p:pic>
-    </p:spTree>
-  </p:cSld>
-  <p:clrMapOvr>
-    <a:masterClrMapping/>
-  </p:clrMapOvr>
-</p:sld>
-</file>
-
-<file path=ppt/slides/slide11.xml><?xml version="1.0" encoding="utf-8"?>
-<p:sld xmlns:a="http://schemas.openxmlformats.org/drawingml/2006/main" xmlns:r="http://schemas.openxmlformats.org/officeDocument/2006/relationships" xmlns:mc="http://schemas.openxmlformats.org/markup-compatibility/2006" xmlns:mv="urn:schemas-microsoft-com:mac:vml" xmlns:p="http://schemas.openxmlformats.org/presentationml/2006/main" xmlns:c="http://schemas.openxmlformats.org/drawingml/2006/chart" xmlns:dgm="http://schemas.openxmlformats.org/drawingml/2006/diagram" xmlns:o="urn:schemas-microsoft-com:office:office" xmlns:v="urn:schemas-microsoft-com:vml" xmlns:pvml="urn:schemas-microsoft-com:office:powerpoint" xmlns:com="http://schemas.openxmlformats.org/drawingml/2006/compatibility" xmlns:p14="http://schemas.microsoft.com/office/powerpoint/2010/main" xmlns:p15="http://schemas.microsoft.com/office/powerpoint/2012/main" xmlns:ahyp="http://schemas.microsoft.com/office/drawing/2018/hyperlinkcolor">
-  <p:cSld>
-    <p:spTree>
-      <p:nvGrpSpPr>
-        <p:cNvPr id="341" name="Shape 341"/>
-        <p:cNvGrpSpPr/>
-        <p:nvPr/>
-      </p:nvGrpSpPr>
-      <p:grpSpPr>
-        <a:xfrm>
-          <a:off x="0" y="0"/>
-          <a:ext cx="0" cy="0"/>
-          <a:chOff x="0" y="0"/>
-          <a:chExt cx="0" cy="0"/>
-        </a:xfrm>
-      </p:grpSpPr>
-      <p:sp>
-        <p:nvSpPr>
-          <p:cNvPr id="342" name="Google Shape;342;p23"/>
-          <p:cNvSpPr txBox="1"/>
-          <p:nvPr>
-            <p:ph type="ctrTitle"/>
-          </p:nvPr>
-        </p:nvSpPr>
-        <p:spPr>
-          <a:xfrm>
-            <a:off x="0" y="0"/>
-            <a:ext cx="6720000" cy="796200"/>
-          </a:xfrm>
-          <a:prstGeom prst="rect">
-            <a:avLst/>
-          </a:prstGeom>
-        </p:spPr>
-        <p:txBody>
-          <a:bodyPr anchorCtr="0" anchor="ctr" bIns="91425" lIns="91425" spcFirstLastPara="1" rIns="91425" wrap="square" tIns="91425">
-            <a:noAutofit/>
-          </a:bodyPr>
-          <a:lstStyle/>
-          <a:p>
-            <a:pPr indent="0" lvl="0" marL="0" rtl="0" algn="l">
-              <a:spcBef>
-                <a:spcPts val="0"/>
-              </a:spcBef>
-              <a:spcAft>
-                <a:spcPts val="0"/>
-              </a:spcAft>
-              <a:buSzPts val="990"/>
-              <a:buNone/>
-            </a:pPr>
-            <a:r>
-              <a:rPr lang="en" sz="2840"/>
-              <a:t>Integration test </a:t>
-            </a:r>
-            <a:endParaRPr sz="2840"/>
-          </a:p>
-        </p:txBody>
-      </p:sp>
-      <p:sp>
-        <p:nvSpPr>
-          <p:cNvPr id="343" name="Google Shape;343;p23"/>
-          <p:cNvSpPr txBox="1"/>
-          <p:nvPr>
-            <p:ph idx="1" type="subTitle"/>
-          </p:nvPr>
-        </p:nvSpPr>
-        <p:spPr>
-          <a:xfrm>
-            <a:off x="71650" y="684750"/>
-            <a:ext cx="7842600" cy="4490700"/>
-          </a:xfrm>
-          <a:prstGeom prst="rect">
-            <a:avLst/>
-          </a:prstGeom>
-        </p:spPr>
-        <p:txBody>
-          <a:bodyPr anchorCtr="0" anchor="t" bIns="91425" lIns="91425" spcFirstLastPara="1" rIns="91425" wrap="square" tIns="91425">
-            <a:normAutofit/>
-          </a:bodyPr>
-          <a:lstStyle/>
-          <a:p>
-            <a:pPr indent="-374650" lvl="0" marL="457200" rtl="0" algn="l">
-              <a:spcBef>
-                <a:spcPts val="0"/>
-              </a:spcBef>
-              <a:spcAft>
-                <a:spcPts val="0"/>
-              </a:spcAft>
-              <a:buSzPts val="2300"/>
-              <a:buChar char="●"/>
-            </a:pPr>
-            <a:r>
-              <a:rPr lang="en" sz="2300"/>
-              <a:t>We test evaluation and performance with different time queries in all databases</a:t>
-            </a:r>
-            <a:endParaRPr sz="2300"/>
-          </a:p>
-          <a:p>
-            <a:pPr indent="-374650" lvl="1" marL="914400" rtl="0" algn="l">
-              <a:spcBef>
-                <a:spcPts val="0"/>
-              </a:spcBef>
-              <a:spcAft>
-                <a:spcPts val="0"/>
-              </a:spcAft>
-              <a:buSzPts val="2300"/>
-              <a:buChar char="○"/>
-            </a:pPr>
-            <a:r>
-              <a:rPr lang="en" sz="2300"/>
-              <a:t>For 4 sec query:</a:t>
-            </a:r>
-            <a:endParaRPr sz="2300"/>
-          </a:p>
-          <a:p>
-            <a:pPr indent="0" lvl="0" marL="457200" rtl="0" algn="l">
-              <a:spcBef>
-                <a:spcPts val="0"/>
-              </a:spcBef>
-              <a:spcAft>
-                <a:spcPts val="0"/>
-              </a:spcAft>
-              <a:buNone/>
-            </a:pPr>
-            <a:r>
-              <a:t/>
-            </a:r>
-            <a:endParaRPr sz="2500"/>
-          </a:p>
-        </p:txBody>
-      </p:sp>
-      <p:pic>
-        <p:nvPicPr>
-          <p:cNvPr id="344" name="Google Shape;344;p23"/>
-          <p:cNvPicPr preferRelativeResize="0"/>
-          <p:nvPr/>
-        </p:nvPicPr>
-        <p:blipFill>
-          <a:blip r:embed="rId3">
-            <a:alphaModFix/>
-          </a:blip>
-          <a:stretch>
-            <a:fillRect/>
-          </a:stretch>
-        </p:blipFill>
-        <p:spPr>
-          <a:xfrm>
-            <a:off x="4739225" y="1122650"/>
-            <a:ext cx="4203975" cy="3989001"/>
-          </a:xfrm>
-          <a:prstGeom prst="rect">
-            <a:avLst/>
-          </a:prstGeom>
-          <a:noFill/>
-          <a:ln>
-            <a:noFill/>
-          </a:ln>
-        </p:spPr>
-      </p:pic>
-    </p:spTree>
-  </p:cSld>
-  <p:clrMapOvr>
-    <a:masterClrMapping/>
-  </p:clrMapOvr>
-</p:sld>
-</file>
-
-<file path=ppt/slides/slide12.xml><?xml version="1.0" encoding="utf-8"?>
-<p:sld xmlns:a="http://schemas.openxmlformats.org/drawingml/2006/main" xmlns:r="http://schemas.openxmlformats.org/officeDocument/2006/relationships" xmlns:mc="http://schemas.openxmlformats.org/markup-compatibility/2006" xmlns:mv="urn:schemas-microsoft-com:mac:vml" xmlns:p="http://schemas.openxmlformats.org/presentationml/2006/main" xmlns:c="http://schemas.openxmlformats.org/drawingml/2006/chart" xmlns:dgm="http://schemas.openxmlformats.org/drawingml/2006/diagram" xmlns:o="urn:schemas-microsoft-com:office:office" xmlns:v="urn:schemas-microsoft-com:vml" xmlns:pvml="urn:schemas-microsoft-com:office:powerpoint" xmlns:com="http://schemas.openxmlformats.org/drawingml/2006/compatibility" xmlns:p14="http://schemas.microsoft.com/office/powerpoint/2010/main" xmlns:p15="http://schemas.microsoft.com/office/powerpoint/2012/main" xmlns:ahyp="http://schemas.microsoft.com/office/drawing/2018/hyperlinkcolor">
-  <p:cSld>
-    <p:spTree>
-      <p:nvGrpSpPr>
-        <p:cNvPr id="348" name="Shape 348"/>
-        <p:cNvGrpSpPr/>
-        <p:nvPr/>
-      </p:nvGrpSpPr>
-      <p:grpSpPr>
-        <a:xfrm>
-          <a:off x="0" y="0"/>
-          <a:ext cx="0" cy="0"/>
-          <a:chOff x="0" y="0"/>
-          <a:chExt cx="0" cy="0"/>
-        </a:xfrm>
-      </p:grpSpPr>
-      <p:sp>
-        <p:nvSpPr>
-          <p:cNvPr id="349" name="Google Shape;349;p24"/>
-          <p:cNvSpPr txBox="1"/>
-          <p:nvPr>
-            <p:ph type="ctrTitle"/>
-          </p:nvPr>
-        </p:nvSpPr>
-        <p:spPr>
-          <a:xfrm>
-            <a:off x="0" y="0"/>
-            <a:ext cx="6720000" cy="796200"/>
-          </a:xfrm>
-          <a:prstGeom prst="rect">
-            <a:avLst/>
-          </a:prstGeom>
-        </p:spPr>
-        <p:txBody>
-          <a:bodyPr anchorCtr="0" anchor="ctr" bIns="91425" lIns="91425" spcFirstLastPara="1" rIns="91425" wrap="square" tIns="91425">
-            <a:noAutofit/>
-          </a:bodyPr>
-          <a:lstStyle/>
-          <a:p>
-            <a:pPr indent="0" lvl="0" marL="0" rtl="0" algn="l">
-              <a:spcBef>
-                <a:spcPts val="0"/>
-              </a:spcBef>
-              <a:spcAft>
-                <a:spcPts val="0"/>
-              </a:spcAft>
-              <a:buSzPts val="990"/>
-              <a:buNone/>
-            </a:pPr>
-            <a:r>
-              <a:rPr lang="en" sz="2840"/>
-              <a:t>Integration test </a:t>
-            </a:r>
-            <a:endParaRPr sz="2840"/>
-          </a:p>
-        </p:txBody>
-      </p:sp>
-      <p:sp>
-        <p:nvSpPr>
-          <p:cNvPr id="350" name="Google Shape;350;p24"/>
-          <p:cNvSpPr txBox="1"/>
-          <p:nvPr>
-            <p:ph idx="1" type="subTitle"/>
-          </p:nvPr>
-        </p:nvSpPr>
-        <p:spPr>
-          <a:xfrm>
-            <a:off x="71650" y="684750"/>
-            <a:ext cx="7842600" cy="4490700"/>
-          </a:xfrm>
-          <a:prstGeom prst="rect">
-            <a:avLst/>
-          </a:prstGeom>
-        </p:spPr>
-        <p:txBody>
-          <a:bodyPr anchorCtr="0" anchor="t" bIns="91425" lIns="91425" spcFirstLastPara="1" rIns="91425" wrap="square" tIns="91425">
-            <a:normAutofit/>
-          </a:bodyPr>
-          <a:lstStyle/>
-          <a:p>
-            <a:pPr indent="-374650" lvl="0" marL="457200" rtl="0" algn="l">
-              <a:spcBef>
-                <a:spcPts val="0"/>
-              </a:spcBef>
-              <a:spcAft>
-                <a:spcPts val="0"/>
-              </a:spcAft>
-              <a:buSzPts val="2300"/>
-              <a:buChar char="●"/>
-            </a:pPr>
-            <a:r>
-              <a:rPr lang="en" sz="2300"/>
-              <a:t>We test evaluation and performance with different time queries in all databases</a:t>
-            </a:r>
-            <a:endParaRPr sz="2300"/>
-          </a:p>
-          <a:p>
-            <a:pPr indent="-374650" lvl="1" marL="914400" rtl="0" algn="l">
-              <a:spcBef>
-                <a:spcPts val="0"/>
-              </a:spcBef>
-              <a:spcAft>
-                <a:spcPts val="0"/>
-              </a:spcAft>
-              <a:buSzPts val="2300"/>
-              <a:buChar char="○"/>
-            </a:pPr>
-            <a:r>
-              <a:rPr lang="en" sz="2300"/>
-              <a:t>For 5 sec query:</a:t>
-            </a:r>
-            <a:endParaRPr sz="2300"/>
-          </a:p>
-          <a:p>
-            <a:pPr indent="0" lvl="0" marL="457200" rtl="0" algn="l">
-              <a:spcBef>
-                <a:spcPts val="0"/>
-              </a:spcBef>
-              <a:spcAft>
-                <a:spcPts val="0"/>
-              </a:spcAft>
-              <a:buNone/>
-            </a:pPr>
-            <a:r>
-              <a:t/>
-            </a:r>
-            <a:endParaRPr sz="2500"/>
-          </a:p>
-        </p:txBody>
-      </p:sp>
-      <p:pic>
-        <p:nvPicPr>
-          <p:cNvPr id="351" name="Google Shape;351;p24"/>
+          <p:cNvPr id="339" name="Google Shape;339;p22"/>
           <p:cNvPicPr preferRelativeResize="0"/>
           <p:nvPr/>
         </p:nvPicPr>
@@ -17667,12 +17233,12 @@
 </p:sld>
 </file>
 
-<file path=ppt/slides/slide13.xml><?xml version="1.0" encoding="utf-8"?>
+<file path=ppt/slides/slide11.xml><?xml version="1.0" encoding="utf-8"?>
 <p:sld xmlns:a="http://schemas.openxmlformats.org/drawingml/2006/main" xmlns:r="http://schemas.openxmlformats.org/officeDocument/2006/relationships" xmlns:mc="http://schemas.openxmlformats.org/markup-compatibility/2006" xmlns:mv="urn:schemas-microsoft-com:mac:vml" xmlns:p="http://schemas.openxmlformats.org/presentationml/2006/main" xmlns:c="http://schemas.openxmlformats.org/drawingml/2006/chart" xmlns:dgm="http://schemas.openxmlformats.org/drawingml/2006/diagram" xmlns:o="urn:schemas-microsoft-com:office:office" xmlns:v="urn:schemas-microsoft-com:vml" xmlns:pvml="urn:schemas-microsoft-com:office:powerpoint" xmlns:com="http://schemas.openxmlformats.org/drawingml/2006/compatibility" xmlns:p14="http://schemas.microsoft.com/office/powerpoint/2010/main" xmlns:p15="http://schemas.microsoft.com/office/powerpoint/2012/main" xmlns:ahyp="http://schemas.microsoft.com/office/drawing/2018/hyperlinkcolor">
   <p:cSld>
     <p:spTree>
       <p:nvGrpSpPr>
-        <p:cNvPr id="355" name="Shape 355"/>
+        <p:cNvPr id="343" name="Shape 343"/>
         <p:cNvGrpSpPr/>
         <p:nvPr/>
       </p:nvGrpSpPr>
@@ -17686,7 +17252,7 @@
       </p:grpSpPr>
       <p:sp>
         <p:nvSpPr>
-          <p:cNvPr id="356" name="Google Shape;356;p25"/>
+          <p:cNvPr id="344" name="Google Shape;344;p23"/>
           <p:cNvSpPr txBox="1"/>
           <p:nvPr>
             <p:ph type="ctrTitle"/>
@@ -17727,7 +17293,7 @@
       </p:sp>
       <p:sp>
         <p:nvSpPr>
-          <p:cNvPr id="357" name="Google Shape;357;p25"/>
+          <p:cNvPr id="345" name="Google Shape;345;p23"/>
           <p:cNvSpPr txBox="1"/>
           <p:nvPr>
             <p:ph idx="1" type="subTitle"/>
@@ -17791,7 +17357,7 @@
       </p:sp>
       <p:pic>
         <p:nvPicPr>
-          <p:cNvPr id="358" name="Google Shape;358;p25"/>
+          <p:cNvPr id="346" name="Google Shape;346;p23"/>
           <p:cNvPicPr preferRelativeResize="0"/>
           <p:nvPr/>
         </p:nvPicPr>
@@ -17819,7 +17385,7 @@
       </p:pic>
       <p:pic>
         <p:nvPicPr>
-          <p:cNvPr id="359" name="Google Shape;359;p25"/>
+          <p:cNvPr id="347" name="Google Shape;347;p23"/>
           <p:cNvPicPr preferRelativeResize="0"/>
           <p:nvPr/>
         </p:nvPicPr>
@@ -17853,12 +17419,12 @@
 </p:sld>
 </file>
 
-<file path=ppt/slides/slide14.xml><?xml version="1.0" encoding="utf-8"?>
+<file path=ppt/slides/slide12.xml><?xml version="1.0" encoding="utf-8"?>
 <p:sld xmlns:a="http://schemas.openxmlformats.org/drawingml/2006/main" xmlns:r="http://schemas.openxmlformats.org/officeDocument/2006/relationships" xmlns:mc="http://schemas.openxmlformats.org/markup-compatibility/2006" xmlns:mv="urn:schemas-microsoft-com:mac:vml" xmlns:p="http://schemas.openxmlformats.org/presentationml/2006/main" xmlns:c="http://schemas.openxmlformats.org/drawingml/2006/chart" xmlns:dgm="http://schemas.openxmlformats.org/drawingml/2006/diagram" xmlns:o="urn:schemas-microsoft-com:office:office" xmlns:v="urn:schemas-microsoft-com:vml" xmlns:pvml="urn:schemas-microsoft-com:office:powerpoint" xmlns:com="http://schemas.openxmlformats.org/drawingml/2006/compatibility" xmlns:p14="http://schemas.microsoft.com/office/powerpoint/2010/main" xmlns:p15="http://schemas.microsoft.com/office/powerpoint/2012/main" xmlns:ahyp="http://schemas.microsoft.com/office/drawing/2018/hyperlinkcolor">
   <p:cSld>
     <p:spTree>
       <p:nvGrpSpPr>
-        <p:cNvPr id="363" name="Shape 363"/>
+        <p:cNvPr id="351" name="Shape 351"/>
         <p:cNvGrpSpPr/>
         <p:nvPr/>
       </p:nvGrpSpPr>
@@ -17872,7 +17438,7 @@
       </p:grpSpPr>
       <p:sp>
         <p:nvSpPr>
-          <p:cNvPr id="364" name="Google Shape;364;p26"/>
+          <p:cNvPr id="352" name="Google Shape;352;p24"/>
           <p:cNvSpPr txBox="1"/>
           <p:nvPr>
             <p:ph type="ctrTitle"/>
@@ -17913,7 +17479,7 @@
       </p:sp>
       <p:sp>
         <p:nvSpPr>
-          <p:cNvPr id="365" name="Google Shape;365;p26"/>
+          <p:cNvPr id="353" name="Google Shape;353;p24"/>
           <p:cNvSpPr txBox="1"/>
           <p:nvPr>
             <p:ph idx="1" type="subTitle"/>
@@ -17969,7 +17535,7 @@
       </p:sp>
       <p:pic>
         <p:nvPicPr>
-          <p:cNvPr id="366" name="Google Shape;366;p26"/>
+          <p:cNvPr id="354" name="Google Shape;354;p24"/>
           <p:cNvPicPr preferRelativeResize="0"/>
           <p:nvPr/>
         </p:nvPicPr>
@@ -17997,7 +17563,7 @@
       </p:pic>
       <p:pic>
         <p:nvPicPr>
-          <p:cNvPr id="367" name="Google Shape;367;p26"/>
+          <p:cNvPr id="355" name="Google Shape;355;p24"/>
           <p:cNvPicPr preferRelativeResize="0"/>
           <p:nvPr/>
         </p:nvPicPr>
@@ -18031,12 +17597,12 @@
 </p:sld>
 </file>
 
-<file path=ppt/slides/slide15.xml><?xml version="1.0" encoding="utf-8"?>
+<file path=ppt/slides/slide13.xml><?xml version="1.0" encoding="utf-8"?>
 <p:sld xmlns:a="http://schemas.openxmlformats.org/drawingml/2006/main" xmlns:r="http://schemas.openxmlformats.org/officeDocument/2006/relationships" xmlns:mc="http://schemas.openxmlformats.org/markup-compatibility/2006" xmlns:mv="urn:schemas-microsoft-com:mac:vml" xmlns:p="http://schemas.openxmlformats.org/presentationml/2006/main" xmlns:c="http://schemas.openxmlformats.org/drawingml/2006/chart" xmlns:dgm="http://schemas.openxmlformats.org/drawingml/2006/diagram" xmlns:o="urn:schemas-microsoft-com:office:office" xmlns:v="urn:schemas-microsoft-com:vml" xmlns:pvml="urn:schemas-microsoft-com:office:powerpoint" xmlns:com="http://schemas.openxmlformats.org/drawingml/2006/compatibility" xmlns:p14="http://schemas.microsoft.com/office/powerpoint/2010/main" xmlns:p15="http://schemas.microsoft.com/office/powerpoint/2012/main" xmlns:ahyp="http://schemas.microsoft.com/office/drawing/2018/hyperlinkcolor">
   <p:cSld>
     <p:spTree>
       <p:nvGrpSpPr>
-        <p:cNvPr id="371" name="Shape 371"/>
+        <p:cNvPr id="359" name="Shape 359"/>
         <p:cNvGrpSpPr/>
         <p:nvPr/>
       </p:nvGrpSpPr>
@@ -18050,7 +17616,7 @@
       </p:grpSpPr>
       <p:sp>
         <p:nvSpPr>
-          <p:cNvPr id="372" name="Google Shape;372;p27"/>
+          <p:cNvPr id="360" name="Google Shape;360;p25"/>
           <p:cNvSpPr txBox="1"/>
           <p:nvPr>
             <p:ph type="ctrTitle"/>
@@ -18091,7 +17657,7 @@
       </p:sp>
       <p:sp>
         <p:nvSpPr>
-          <p:cNvPr id="373" name="Google Shape;373;p27"/>
+          <p:cNvPr id="361" name="Google Shape;361;p25"/>
           <p:cNvSpPr txBox="1"/>
           <p:nvPr>
             <p:ph idx="1" type="subTitle"/>
@@ -18147,7 +17713,7 @@
       </p:sp>
       <p:pic>
         <p:nvPicPr>
-          <p:cNvPr id="374" name="Google Shape;374;p27"/>
+          <p:cNvPr id="362" name="Google Shape;362;p25"/>
           <p:cNvPicPr preferRelativeResize="0"/>
           <p:nvPr/>
         </p:nvPicPr>
@@ -18175,7 +17741,7 @@
       </p:pic>
       <p:pic>
         <p:nvPicPr>
-          <p:cNvPr id="375" name="Google Shape;375;p27"/>
+          <p:cNvPr id="363" name="Google Shape;363;p25"/>
           <p:cNvPicPr preferRelativeResize="0"/>
           <p:nvPr/>
         </p:nvPicPr>
@@ -18209,12 +17775,12 @@
 </p:sld>
 </file>
 
-<file path=ppt/slides/slide16.xml><?xml version="1.0" encoding="utf-8"?>
+<file path=ppt/slides/slide14.xml><?xml version="1.0" encoding="utf-8"?>
 <p:sld xmlns:a="http://schemas.openxmlformats.org/drawingml/2006/main" xmlns:r="http://schemas.openxmlformats.org/officeDocument/2006/relationships" xmlns:mc="http://schemas.openxmlformats.org/markup-compatibility/2006" xmlns:mv="urn:schemas-microsoft-com:mac:vml" xmlns:p="http://schemas.openxmlformats.org/presentationml/2006/main" xmlns:c="http://schemas.openxmlformats.org/drawingml/2006/chart" xmlns:dgm="http://schemas.openxmlformats.org/drawingml/2006/diagram" xmlns:o="urn:schemas-microsoft-com:office:office" xmlns:v="urn:schemas-microsoft-com:vml" xmlns:pvml="urn:schemas-microsoft-com:office:powerpoint" xmlns:com="http://schemas.openxmlformats.org/drawingml/2006/compatibility" xmlns:p14="http://schemas.microsoft.com/office/powerpoint/2010/main" xmlns:p15="http://schemas.microsoft.com/office/powerpoint/2012/main" xmlns:ahyp="http://schemas.microsoft.com/office/drawing/2018/hyperlinkcolor">
   <p:cSld>
     <p:spTree>
       <p:nvGrpSpPr>
-        <p:cNvPr id="379" name="Shape 379"/>
+        <p:cNvPr id="367" name="Shape 367"/>
         <p:cNvGrpSpPr/>
         <p:nvPr/>
       </p:nvGrpSpPr>
@@ -18228,7 +17794,7 @@
       </p:grpSpPr>
       <p:sp>
         <p:nvSpPr>
-          <p:cNvPr id="380" name="Google Shape;380;p28"/>
+          <p:cNvPr id="368" name="Google Shape;368;p26"/>
           <p:cNvSpPr txBox="1"/>
           <p:nvPr>
             <p:ph type="ctrTitle"/>
@@ -18269,7 +17835,7 @@
       </p:sp>
       <p:sp>
         <p:nvSpPr>
-          <p:cNvPr id="381" name="Google Shape;381;p28"/>
+          <p:cNvPr id="369" name="Google Shape;369;p26"/>
           <p:cNvSpPr txBox="1"/>
           <p:nvPr>
             <p:ph idx="1" type="subTitle"/>
@@ -18325,7 +17891,7 @@
       </p:sp>
       <p:pic>
         <p:nvPicPr>
-          <p:cNvPr id="382" name="Google Shape;382;p28"/>
+          <p:cNvPr id="370" name="Google Shape;370;p26"/>
           <p:cNvPicPr preferRelativeResize="0"/>
           <p:nvPr/>
         </p:nvPicPr>
@@ -18353,7 +17919,7 @@
       </p:pic>
       <p:pic>
         <p:nvPicPr>
-          <p:cNvPr id="383" name="Google Shape;383;p28"/>
+          <p:cNvPr id="371" name="Google Shape;371;p26"/>
           <p:cNvPicPr preferRelativeResize="0"/>
           <p:nvPr/>
         </p:nvPicPr>
@@ -18379,6 +17945,241 @@
           </a:ln>
         </p:spPr>
       </p:pic>
+    </p:spTree>
+  </p:cSld>
+  <p:clrMapOvr>
+    <a:masterClrMapping/>
+  </p:clrMapOvr>
+</p:sld>
+</file>
+
+<file path=ppt/slides/slide15.xml><?xml version="1.0" encoding="utf-8"?>
+<p:sld xmlns:a="http://schemas.openxmlformats.org/drawingml/2006/main" xmlns:r="http://schemas.openxmlformats.org/officeDocument/2006/relationships" xmlns:mc="http://schemas.openxmlformats.org/markup-compatibility/2006" xmlns:mv="urn:schemas-microsoft-com:mac:vml" xmlns:p="http://schemas.openxmlformats.org/presentationml/2006/main" xmlns:c="http://schemas.openxmlformats.org/drawingml/2006/chart" xmlns:dgm="http://schemas.openxmlformats.org/drawingml/2006/diagram" xmlns:o="urn:schemas-microsoft-com:office:office" xmlns:v="urn:schemas-microsoft-com:vml" xmlns:pvml="urn:schemas-microsoft-com:office:powerpoint" xmlns:com="http://schemas.openxmlformats.org/drawingml/2006/compatibility" xmlns:p14="http://schemas.microsoft.com/office/powerpoint/2010/main" xmlns:p15="http://schemas.microsoft.com/office/powerpoint/2012/main" xmlns:ahyp="http://schemas.microsoft.com/office/drawing/2018/hyperlinkcolor">
+  <p:cSld>
+    <p:spTree>
+      <p:nvGrpSpPr>
+        <p:cNvPr id="375" name="Shape 375"/>
+        <p:cNvGrpSpPr/>
+        <p:nvPr/>
+      </p:nvGrpSpPr>
+      <p:grpSpPr>
+        <a:xfrm>
+          <a:off x="0" y="0"/>
+          <a:ext cx="0" cy="0"/>
+          <a:chOff x="0" y="0"/>
+          <a:chExt cx="0" cy="0"/>
+        </a:xfrm>
+      </p:grpSpPr>
+      <p:sp>
+        <p:nvSpPr>
+          <p:cNvPr id="376" name="Google Shape;376;p27"/>
+          <p:cNvSpPr txBox="1"/>
+          <p:nvPr>
+            <p:ph type="ctrTitle"/>
+          </p:nvPr>
+        </p:nvSpPr>
+        <p:spPr>
+          <a:xfrm>
+            <a:off x="0" y="0"/>
+            <a:ext cx="6600600" cy="636900"/>
+          </a:xfrm>
+          <a:prstGeom prst="rect">
+            <a:avLst/>
+          </a:prstGeom>
+        </p:spPr>
+        <p:txBody>
+          <a:bodyPr anchorCtr="0" anchor="ctr" bIns="91425" lIns="91425" spcFirstLastPara="1" rIns="91425" wrap="square" tIns="91425">
+            <a:noAutofit/>
+          </a:bodyPr>
+          <a:lstStyle/>
+          <a:p>
+            <a:pPr indent="0" lvl="0" marL="0" rtl="0" algn="l">
+              <a:spcBef>
+                <a:spcPts val="0"/>
+              </a:spcBef>
+              <a:spcAft>
+                <a:spcPts val="0"/>
+              </a:spcAft>
+              <a:buSzPts val="990"/>
+              <a:buNone/>
+            </a:pPr>
+            <a:r>
+              <a:rPr lang="en" sz="2840"/>
+              <a:t>Integration test </a:t>
+            </a:r>
+            <a:endParaRPr sz="2840"/>
+          </a:p>
+        </p:txBody>
+      </p:sp>
+      <p:sp>
+        <p:nvSpPr>
+          <p:cNvPr id="377" name="Google Shape;377;p27"/>
+          <p:cNvSpPr txBox="1"/>
+          <p:nvPr>
+            <p:ph idx="1" type="subTitle"/>
+          </p:nvPr>
+        </p:nvSpPr>
+        <p:spPr>
+          <a:xfrm>
+            <a:off x="71650" y="573275"/>
+            <a:ext cx="7842600" cy="4602300"/>
+          </a:xfrm>
+          <a:prstGeom prst="rect">
+            <a:avLst/>
+          </a:prstGeom>
+        </p:spPr>
+        <p:txBody>
+          <a:bodyPr anchorCtr="0" anchor="t" bIns="91425" lIns="91425" spcFirstLastPara="1" rIns="91425" wrap="square" tIns="91425">
+            <a:normAutofit/>
+          </a:bodyPr>
+          <a:lstStyle/>
+          <a:p>
+            <a:pPr indent="-349250" lvl="0" marL="457200" rtl="0" algn="l">
+              <a:spcBef>
+                <a:spcPts val="0"/>
+              </a:spcBef>
+              <a:spcAft>
+                <a:spcPts val="0"/>
+              </a:spcAft>
+              <a:buSzPts val="1900"/>
+              <a:buChar char="●"/>
+            </a:pPr>
+            <a:r>
+              <a:rPr lang="en" sz="1900"/>
+              <a:t>Last but not least we test song </a:t>
+            </a:r>
+            <a:r>
+              <a:rPr lang="en" sz="1900"/>
+              <a:t>recognition by recording microphone input .</a:t>
+            </a:r>
+            <a:endParaRPr sz="1900"/>
+          </a:p>
+          <a:p>
+            <a:pPr indent="0" lvl="0" marL="457200" rtl="0" algn="l">
+              <a:spcBef>
+                <a:spcPts val="0"/>
+              </a:spcBef>
+              <a:spcAft>
+                <a:spcPts val="0"/>
+              </a:spcAft>
+              <a:buNone/>
+            </a:pPr>
+            <a:r>
+              <a:t/>
+            </a:r>
+            <a:endParaRPr sz="1900"/>
+          </a:p>
+          <a:p>
+            <a:pPr indent="0" lvl="0" marL="457200" rtl="0" algn="l">
+              <a:spcBef>
+                <a:spcPts val="0"/>
+              </a:spcBef>
+              <a:spcAft>
+                <a:spcPts val="0"/>
+              </a:spcAft>
+              <a:buNone/>
+            </a:pPr>
+            <a:r>
+              <a:t/>
+            </a:r>
+            <a:endParaRPr sz="2500"/>
+          </a:p>
+        </p:txBody>
+      </p:sp>
+      <p:pic>
+        <p:nvPicPr>
+          <p:cNvPr id="378" name="Google Shape;378;p27"/>
+          <p:cNvPicPr preferRelativeResize="0"/>
+          <p:nvPr/>
+        </p:nvPicPr>
+        <p:blipFill>
+          <a:blip r:embed="rId3">
+            <a:alphaModFix/>
+          </a:blip>
+          <a:stretch>
+            <a:fillRect/>
+          </a:stretch>
+        </p:blipFill>
+        <p:spPr>
+          <a:xfrm>
+            <a:off x="4395075" y="995275"/>
+            <a:ext cx="4092501" cy="4092501"/>
+          </a:xfrm>
+          <a:prstGeom prst="rect">
+            <a:avLst/>
+          </a:prstGeom>
+          <a:noFill/>
+          <a:ln>
+            <a:noFill/>
+          </a:ln>
+        </p:spPr>
+      </p:pic>
+    </p:spTree>
+  </p:cSld>
+  <p:clrMapOvr>
+    <a:masterClrMapping/>
+  </p:clrMapOvr>
+</p:sld>
+</file>
+
+<file path=ppt/slides/slide16.xml><?xml version="1.0" encoding="utf-8"?>
+<p:sld xmlns:a="http://schemas.openxmlformats.org/drawingml/2006/main" xmlns:r="http://schemas.openxmlformats.org/officeDocument/2006/relationships" xmlns:mc="http://schemas.openxmlformats.org/markup-compatibility/2006" xmlns:mv="urn:schemas-microsoft-com:mac:vml" xmlns:p="http://schemas.openxmlformats.org/presentationml/2006/main" xmlns:c="http://schemas.openxmlformats.org/drawingml/2006/chart" xmlns:dgm="http://schemas.openxmlformats.org/drawingml/2006/diagram" xmlns:o="urn:schemas-microsoft-com:office:office" xmlns:v="urn:schemas-microsoft-com:vml" xmlns:pvml="urn:schemas-microsoft-com:office:powerpoint" xmlns:com="http://schemas.openxmlformats.org/drawingml/2006/compatibility" xmlns:p14="http://schemas.microsoft.com/office/powerpoint/2010/main" xmlns:p15="http://schemas.microsoft.com/office/powerpoint/2012/main" xmlns:ahyp="http://schemas.microsoft.com/office/drawing/2018/hyperlinkcolor">
+  <p:cSld>
+    <p:spTree>
+      <p:nvGrpSpPr>
+        <p:cNvPr id="382" name="Shape 382"/>
+        <p:cNvGrpSpPr/>
+        <p:nvPr/>
+      </p:nvGrpSpPr>
+      <p:grpSpPr>
+        <a:xfrm>
+          <a:off x="0" y="0"/>
+          <a:ext cx="0" cy="0"/>
+          <a:chOff x="0" y="0"/>
+          <a:chExt cx="0" cy="0"/>
+        </a:xfrm>
+      </p:grpSpPr>
+      <p:sp>
+        <p:nvSpPr>
+          <p:cNvPr id="383" name="Google Shape;383;p28"/>
+          <p:cNvSpPr txBox="1"/>
+          <p:nvPr>
+            <p:ph type="ctrTitle"/>
+          </p:nvPr>
+        </p:nvSpPr>
+        <p:spPr>
+          <a:xfrm>
+            <a:off x="71650" y="788250"/>
+            <a:ext cx="6600600" cy="636900"/>
+          </a:xfrm>
+          <a:prstGeom prst="rect">
+            <a:avLst/>
+          </a:prstGeom>
+        </p:spPr>
+        <p:txBody>
+          <a:bodyPr anchorCtr="0" anchor="ctr" bIns="91425" lIns="91425" spcFirstLastPara="1" rIns="91425" wrap="square" tIns="91425">
+            <a:noAutofit/>
+          </a:bodyPr>
+          <a:lstStyle/>
+          <a:p>
+            <a:pPr indent="0" lvl="0" marL="0" rtl="0" algn="l">
+              <a:spcBef>
+                <a:spcPts val="0"/>
+              </a:spcBef>
+              <a:spcAft>
+                <a:spcPts val="0"/>
+              </a:spcAft>
+              <a:buSzPts val="990"/>
+              <a:buNone/>
+            </a:pPr>
+            <a:r>
+              <a:rPr lang="en" sz="2840"/>
+              <a:t>Demo...</a:t>
+            </a:r>
+            <a:endParaRPr sz="2840"/>
+          </a:p>
+        </p:txBody>
+      </p:sp>
     </p:spTree>
   </p:cSld>
   <p:clrMapOvr>
@@ -18414,8 +18215,8 @@
         </p:nvSpPr>
         <p:spPr>
           <a:xfrm>
-            <a:off x="0" y="0"/>
-            <a:ext cx="6600600" cy="636900"/>
+            <a:off x="55725" y="143325"/>
+            <a:ext cx="6871200" cy="828000"/>
           </a:xfrm>
           <a:prstGeom prst="rect">
             <a:avLst/>
@@ -18439,7 +18240,7 @@
             </a:pPr>
             <a:r>
               <a:rPr lang="en" sz="2840"/>
-              <a:t>Integration test </a:t>
+              <a:t>Some conclutions</a:t>
             </a:r>
             <a:endParaRPr sz="2840"/>
           </a:p>
@@ -18455,7 +18256,7 @@
         </p:nvSpPr>
         <p:spPr>
           <a:xfrm>
-            <a:off x="71650" y="573275"/>
+            <a:off x="214975" y="1377450"/>
             <a:ext cx="7842600" cy="4602300"/>
           </a:xfrm>
           <a:prstGeom prst="rect">
@@ -18468,28 +18269,24 @@
           </a:bodyPr>
           <a:lstStyle/>
           <a:p>
-            <a:pPr indent="-349250" lvl="0" marL="457200" rtl="0" algn="l">
-              <a:spcBef>
-                <a:spcPts val="0"/>
-              </a:spcBef>
-              <a:spcAft>
-                <a:spcPts val="0"/>
-              </a:spcAft>
-              <a:buSzPts val="1900"/>
+            <a:pPr indent="-374650" lvl="0" marL="457200" rtl="0" algn="l">
+              <a:spcBef>
+                <a:spcPts val="0"/>
+              </a:spcBef>
+              <a:spcAft>
+                <a:spcPts val="0"/>
+              </a:spcAft>
+              <a:buSzPts val="2300"/>
               <a:buChar char="●"/>
             </a:pPr>
             <a:r>
-              <a:rPr lang="en" sz="1900"/>
-              <a:t>Last but not least we test song </a:t>
+              <a:rPr lang="en" sz="2300"/>
+              <a:t>Dejavu is more sensitive to small time queries than in noise level.</a:t>
             </a:r>
-            <a:r>
-              <a:rPr lang="en" sz="1900"/>
-              <a:t>recognition by recording microphone input .</a:t>
-            </a:r>
-            <a:endParaRPr sz="1900"/>
+            <a:endParaRPr sz="2300"/>
           </a:p>
           <a:p>
-            <a:pPr indent="0" lvl="0" marL="457200" rtl="0" algn="l">
+            <a:pPr indent="0" lvl="0" marL="0" rtl="0" algn="l">
               <a:spcBef>
                 <a:spcPts val="0"/>
               </a:spcBef>
@@ -18501,7 +18298,24 @@
             <a:r>
               <a:t/>
             </a:r>
-            <a:endParaRPr sz="1900"/>
+            <a:endParaRPr sz="2300"/>
+          </a:p>
+          <a:p>
+            <a:pPr indent="-374650" lvl="0" marL="457200" rtl="0" algn="l">
+              <a:spcBef>
+                <a:spcPts val="0"/>
+              </a:spcBef>
+              <a:spcAft>
+                <a:spcPts val="0"/>
+              </a:spcAft>
+              <a:buSzPts val="2300"/>
+              <a:buChar char="●"/>
+            </a:pPr>
+            <a:r>
+              <a:rPr lang="en" sz="2300"/>
+              <a:t>For microphone recognition it depends on the amount of songs that database has and the part of song that is given as input to identify.</a:t>
+            </a:r>
+            <a:endParaRPr sz="2300"/>
           </a:p>
           <a:p>
             <a:pPr indent="0" lvl="0" marL="457200" rtl="0" algn="l">
@@ -18520,34 +18334,6 @@
           </a:p>
         </p:txBody>
       </p:sp>
-      <p:pic>
-        <p:nvPicPr>
-          <p:cNvPr id="390" name="Google Shape;390;p29"/>
-          <p:cNvPicPr preferRelativeResize="0"/>
-          <p:nvPr/>
-        </p:nvPicPr>
-        <p:blipFill>
-          <a:blip r:embed="rId3">
-            <a:alphaModFix/>
-          </a:blip>
-          <a:stretch>
-            <a:fillRect/>
-          </a:stretch>
-        </p:blipFill>
-        <p:spPr>
-          <a:xfrm>
-            <a:off x="4395075" y="995275"/>
-            <a:ext cx="4092501" cy="4092501"/>
-          </a:xfrm>
-          <a:prstGeom prst="rect">
-            <a:avLst/>
-          </a:prstGeom>
-          <a:noFill/>
-          <a:ln>
-            <a:noFill/>
-          </a:ln>
-        </p:spPr>
-      </p:pic>
     </p:spTree>
   </p:cSld>
   <p:clrMapOvr>
@@ -18561,7 +18347,7 @@
   <p:cSld>
     <p:spTree>
       <p:nvGrpSpPr>
-        <p:cNvPr id="394" name="Shape 394"/>
+        <p:cNvPr id="393" name="Shape 393"/>
         <p:cNvGrpSpPr/>
         <p:nvPr/>
       </p:nvGrpSpPr>
@@ -18575,7 +18361,7 @@
       </p:grpSpPr>
       <p:sp>
         <p:nvSpPr>
-          <p:cNvPr id="395" name="Google Shape;395;p30"/>
+          <p:cNvPr id="394" name="Google Shape;394;p30"/>
           <p:cNvSpPr txBox="1"/>
           <p:nvPr>
             <p:ph type="ctrTitle"/>
@@ -18608,7 +18394,7 @@
             </a:pPr>
             <a:r>
               <a:rPr lang="en" sz="2840"/>
-              <a:t>Some conclutions</a:t>
+              <a:t>Future work</a:t>
             </a:r>
             <a:endParaRPr sz="2840"/>
           </a:p>
@@ -18616,7 +18402,7 @@
       </p:sp>
       <p:sp>
         <p:nvSpPr>
-          <p:cNvPr id="396" name="Google Shape;396;p30"/>
+          <p:cNvPr id="395" name="Google Shape;395;p30"/>
           <p:cNvSpPr txBox="1"/>
           <p:nvPr>
             <p:ph idx="1" type="subTitle"/>
@@ -18649,12 +18435,27 @@
             </a:pPr>
             <a:r>
               <a:rPr lang="en" sz="2300"/>
-              <a:t>Dejavu is more sensitive to small time queries than in noise level.</a:t>
+              <a:t>Try with more that 10k songs.</a:t>
             </a:r>
             <a:endParaRPr sz="2300"/>
           </a:p>
           <a:p>
-            <a:pPr indent="0" lvl="0" marL="0" rtl="0" algn="l">
+            <a:pPr indent="0" lvl="0" marL="457200" rtl="0" algn="l">
+              <a:spcBef>
+                <a:spcPts val="0"/>
+              </a:spcBef>
+              <a:spcAft>
+                <a:spcPts val="0"/>
+              </a:spcAft>
+              <a:buNone/>
+            </a:pPr>
+            <a:r>
+              <a:t/>
+            </a:r>
+            <a:endParaRPr sz="2300"/>
+          </a:p>
+          <a:p>
+            <a:pPr indent="0" lvl="0" marL="457200" rtl="0" algn="l">
               <a:spcBef>
                 <a:spcPts val="0"/>
               </a:spcBef>
@@ -18681,7 +18482,69 @@
             </a:pPr>
             <a:r>
               <a:rPr lang="en" sz="2300"/>
-              <a:t>For microphone recognition it depends on the amount of songs that database has and the part of song that is given as input to identify.</a:t>
+              <a:t>Calculate query duration in different databases and compare.</a:t>
+            </a:r>
+            <a:endParaRPr sz="2300"/>
+          </a:p>
+          <a:p>
+            <a:pPr indent="0" lvl="0" marL="457200" rtl="0" algn="l">
+              <a:spcBef>
+                <a:spcPts val="0"/>
+              </a:spcBef>
+              <a:spcAft>
+                <a:spcPts val="0"/>
+              </a:spcAft>
+              <a:buNone/>
+            </a:pPr>
+            <a:r>
+              <a:t/>
+            </a:r>
+            <a:endParaRPr sz="2300"/>
+          </a:p>
+          <a:p>
+            <a:pPr indent="-374650" lvl="0" marL="457200" rtl="0" algn="l">
+              <a:spcBef>
+                <a:spcPts val="0"/>
+              </a:spcBef>
+              <a:spcAft>
+                <a:spcPts val="0"/>
+              </a:spcAft>
+              <a:buSzPts val="2300"/>
+              <a:buChar char="●"/>
+            </a:pPr>
+            <a:r>
+              <a:rPr lang="en" sz="2300"/>
+              <a:t>Calculate and compare confidence in different databases.</a:t>
+            </a:r>
+            <a:endParaRPr sz="2300"/>
+          </a:p>
+          <a:p>
+            <a:pPr indent="0" lvl="0" marL="457200" rtl="0" algn="l">
+              <a:spcBef>
+                <a:spcPts val="0"/>
+              </a:spcBef>
+              <a:spcAft>
+                <a:spcPts val="0"/>
+              </a:spcAft>
+              <a:buNone/>
+            </a:pPr>
+            <a:r>
+              <a:t/>
+            </a:r>
+            <a:endParaRPr sz="2300"/>
+          </a:p>
+          <a:p>
+            <a:pPr indent="0" lvl="0" marL="457200" rtl="0" algn="l">
+              <a:spcBef>
+                <a:spcPts val="0"/>
+              </a:spcBef>
+              <a:spcAft>
+                <a:spcPts val="0"/>
+              </a:spcAft>
+              <a:buNone/>
+            </a:pPr>
+            <a:r>
+              <a:t/>
             </a:r>
             <a:endParaRPr sz="2300"/>
           </a:p>
@@ -18715,7 +18578,7 @@
   <p:cSld>
     <p:spTree>
       <p:nvGrpSpPr>
-        <p:cNvPr id="400" name="Shape 400"/>
+        <p:cNvPr id="399" name="Shape 399"/>
         <p:cNvGrpSpPr/>
         <p:nvPr/>
       </p:nvGrpSpPr>
@@ -18729,7 +18592,7 @@
       </p:grpSpPr>
       <p:sp>
         <p:nvSpPr>
-          <p:cNvPr id="401" name="Google Shape;401;p31"/>
+          <p:cNvPr id="400" name="Google Shape;400;p31"/>
           <p:cNvSpPr txBox="1"/>
           <p:nvPr>
             <p:ph type="ctrTitle"/>
@@ -18762,7 +18625,7 @@
             </a:pPr>
             <a:r>
               <a:rPr lang="en" sz="2840"/>
-              <a:t>Future work</a:t>
+              <a:t>References</a:t>
             </a:r>
             <a:endParaRPr sz="2840"/>
           </a:p>
@@ -18770,7 +18633,7 @@
       </p:sp>
       <p:sp>
         <p:nvSpPr>
-          <p:cNvPr id="402" name="Google Shape;402;p31"/>
+          <p:cNvPr id="401" name="Google Shape;401;p31"/>
           <p:cNvSpPr txBox="1"/>
           <p:nvPr>
             <p:ph idx="1" type="subTitle"/>
@@ -18778,7 +18641,7 @@
         </p:nvSpPr>
         <p:spPr>
           <a:xfrm>
-            <a:off x="214975" y="1377450"/>
+            <a:off x="358275" y="1281900"/>
             <a:ext cx="7842600" cy="4602300"/>
           </a:xfrm>
           <a:prstGeom prst="rect">
@@ -18799,41 +18662,16 @@
                 <a:spcPts val="0"/>
               </a:spcAft>
               <a:buSzPts val="2300"/>
-              <a:buChar char="●"/>
+              <a:buAutoNum type="arabicPeriod"/>
             </a:pPr>
             <a:r>
-              <a:rPr lang="en" sz="2300"/>
-              <a:t>Try with more that 10k songs.</a:t>
-            </a:r>
-            <a:endParaRPr sz="2300"/>
-          </a:p>
-          <a:p>
-            <a:pPr indent="0" lvl="0" marL="457200" rtl="0" algn="l">
-              <a:spcBef>
-                <a:spcPts val="0"/>
-              </a:spcBef>
-              <a:spcAft>
-                <a:spcPts val="0"/>
-              </a:spcAft>
-              <a:buNone/>
-            </a:pPr>
-            <a:r>
-              <a:t/>
-            </a:r>
-            <a:endParaRPr sz="2300"/>
-          </a:p>
-          <a:p>
-            <a:pPr indent="0" lvl="0" marL="457200" rtl="0" algn="l">
-              <a:spcBef>
-                <a:spcPts val="0"/>
-              </a:spcBef>
-              <a:spcAft>
-                <a:spcPts val="0"/>
-              </a:spcAft>
-              <a:buNone/>
-            </a:pPr>
-            <a:r>
-              <a:t/>
+              <a:rPr lang="en" sz="2300" u="sng">
+                <a:solidFill>
+                  <a:schemeClr val="hlink"/>
+                </a:solidFill>
+                <a:hlinkClick r:id="rId3"/>
+              </a:rPr>
+              <a:t>https://willdrevo.com/fingerprinting-and-audio-recognition-with-python/</a:t>
             </a:r>
             <a:endParaRPr sz="2300"/>
           </a:p>
@@ -18846,26 +18684,11 @@
                 <a:spcPts val="0"/>
               </a:spcAft>
               <a:buSzPts val="2300"/>
-              <a:buChar char="●"/>
+              <a:buAutoNum type="arabicPeriod"/>
             </a:pPr>
             <a:r>
               <a:rPr lang="en" sz="2300"/>
-              <a:t>Calculate query duration in different databases and compare.</a:t>
-            </a:r>
-            <a:endParaRPr sz="2300"/>
-          </a:p>
-          <a:p>
-            <a:pPr indent="0" lvl="0" marL="457200" rtl="0" algn="l">
-              <a:spcBef>
-                <a:spcPts val="0"/>
-              </a:spcBef>
-              <a:spcAft>
-                <a:spcPts val="0"/>
-              </a:spcAft>
-              <a:buNone/>
-            </a:pPr>
-            <a:r>
-              <a:t/>
+              <a:t>A. Wang, “An industrial strength audio search algorithm.,” Jan 2003.</a:t>
             </a:r>
             <a:endParaRPr sz="2300"/>
           </a:p>
@@ -18878,41 +18701,33 @@
                 <a:spcPts val="0"/>
               </a:spcAft>
               <a:buSzPts val="2300"/>
-              <a:buChar char="●"/>
+              <a:buAutoNum type="arabicPeriod"/>
             </a:pPr>
             <a:r>
-              <a:rPr lang="en" sz="2300"/>
-              <a:t>Calculate and compare confidence in different databases.</a:t>
+              <a:rPr lang="en" sz="2300" u="sng">
+                <a:solidFill>
+                  <a:schemeClr val="hlink"/>
+                </a:solidFill>
+                <a:hlinkClick r:id="rId4"/>
+              </a:rPr>
+              <a:t>https://pypi.org/project/PyDejavu/</a:t>
             </a:r>
             <a:endParaRPr sz="2300"/>
           </a:p>
           <a:p>
-            <a:pPr indent="0" lvl="0" marL="457200" rtl="0" algn="l">
-              <a:spcBef>
-                <a:spcPts val="0"/>
-              </a:spcBef>
-              <a:spcAft>
-                <a:spcPts val="0"/>
-              </a:spcAft>
-              <a:buNone/>
+            <a:pPr indent="-374650" lvl="0" marL="457200" rtl="0" algn="l">
+              <a:spcBef>
+                <a:spcPts val="0"/>
+              </a:spcBef>
+              <a:spcAft>
+                <a:spcPts val="0"/>
+              </a:spcAft>
+              <a:buSzPts val="2300"/>
+              <a:buAutoNum type="arabicPeriod"/>
             </a:pPr>
             <a:r>
-              <a:t/>
-            </a:r>
-            <a:endParaRPr sz="2300"/>
-          </a:p>
-          <a:p>
-            <a:pPr indent="0" lvl="0" marL="457200" rtl="0" algn="l">
-              <a:spcBef>
-                <a:spcPts val="0"/>
-              </a:spcBef>
-              <a:spcAft>
-                <a:spcPts val="0"/>
-              </a:spcAft>
-              <a:buNone/>
-            </a:pPr>
-            <a:r>
-              <a:t/>
+              <a:rPr lang="en" sz="2300"/>
+              <a:t>https://www.jesusninoc.com/02/06/dejavu-audio-fingerprinting-and-recognition-in-python/</a:t>
             </a:r>
             <a:endParaRPr sz="2300"/>
           </a:p>
@@ -19041,7 +18856,7 @@
             </a:r>
             <a:r>
               <a:rPr lang="en" sz="2300"/>
-              <a:t> became more useful and useful in many different fields.  </a:t>
+              <a:t> became more useful in many different fields.  </a:t>
             </a:r>
             <a:endParaRPr sz="2300"/>
           </a:p>
@@ -19073,7 +18888,7 @@
             </a:pPr>
             <a:r>
               <a:rPr lang="en" sz="2300"/>
-              <a:t>All the algorithms like shazam and etc. are close and cannot be used in order to develop more apps.</a:t>
+              <a:t>All the algorithms like shazam etc. are close and cannot be used in order to develop more apps.</a:t>
             </a:r>
             <a:endParaRPr sz="2300"/>
           </a:p>
@@ -19116,189 +18931,6 @@
               <a:t>https://github.com/VarsouPenny/dejavu</a:t>
             </a:r>
             <a:endParaRPr sz="1900" u="sng"/>
-          </a:p>
-        </p:txBody>
-      </p:sp>
-    </p:spTree>
-  </p:cSld>
-  <p:clrMapOvr>
-    <a:masterClrMapping/>
-  </p:clrMapOvr>
-</p:sld>
-</file>
-
-<file path=ppt/slides/slide20.xml><?xml version="1.0" encoding="utf-8"?>
-<p:sld xmlns:a="http://schemas.openxmlformats.org/drawingml/2006/main" xmlns:r="http://schemas.openxmlformats.org/officeDocument/2006/relationships" xmlns:mc="http://schemas.openxmlformats.org/markup-compatibility/2006" xmlns:mv="urn:schemas-microsoft-com:mac:vml" xmlns:p="http://schemas.openxmlformats.org/presentationml/2006/main" xmlns:c="http://schemas.openxmlformats.org/drawingml/2006/chart" xmlns:dgm="http://schemas.openxmlformats.org/drawingml/2006/diagram" xmlns:o="urn:schemas-microsoft-com:office:office" xmlns:v="urn:schemas-microsoft-com:vml" xmlns:pvml="urn:schemas-microsoft-com:office:powerpoint" xmlns:com="http://schemas.openxmlformats.org/drawingml/2006/compatibility" xmlns:p14="http://schemas.microsoft.com/office/powerpoint/2010/main" xmlns:p15="http://schemas.microsoft.com/office/powerpoint/2012/main" xmlns:ahyp="http://schemas.microsoft.com/office/drawing/2018/hyperlinkcolor">
-  <p:cSld>
-    <p:spTree>
-      <p:nvGrpSpPr>
-        <p:cNvPr id="406" name="Shape 406"/>
-        <p:cNvGrpSpPr/>
-        <p:nvPr/>
-      </p:nvGrpSpPr>
-      <p:grpSpPr>
-        <a:xfrm>
-          <a:off x="0" y="0"/>
-          <a:ext cx="0" cy="0"/>
-          <a:chOff x="0" y="0"/>
-          <a:chExt cx="0" cy="0"/>
-        </a:xfrm>
-      </p:grpSpPr>
-      <p:sp>
-        <p:nvSpPr>
-          <p:cNvPr id="407" name="Google Shape;407;p32"/>
-          <p:cNvSpPr txBox="1"/>
-          <p:nvPr>
-            <p:ph type="ctrTitle"/>
-          </p:nvPr>
-        </p:nvSpPr>
-        <p:spPr>
-          <a:xfrm>
-            <a:off x="55725" y="143325"/>
-            <a:ext cx="6871200" cy="828000"/>
-          </a:xfrm>
-          <a:prstGeom prst="rect">
-            <a:avLst/>
-          </a:prstGeom>
-        </p:spPr>
-        <p:txBody>
-          <a:bodyPr anchorCtr="0" anchor="ctr" bIns="91425" lIns="91425" spcFirstLastPara="1" rIns="91425" wrap="square" tIns="91425">
-            <a:noAutofit/>
-          </a:bodyPr>
-          <a:lstStyle/>
-          <a:p>
-            <a:pPr indent="0" lvl="0" marL="0" rtl="0" algn="l">
-              <a:spcBef>
-                <a:spcPts val="0"/>
-              </a:spcBef>
-              <a:spcAft>
-                <a:spcPts val="0"/>
-              </a:spcAft>
-              <a:buSzPts val="990"/>
-              <a:buNone/>
-            </a:pPr>
-            <a:r>
-              <a:rPr lang="en" sz="2840"/>
-              <a:t>References</a:t>
-            </a:r>
-            <a:endParaRPr sz="2840"/>
-          </a:p>
-        </p:txBody>
-      </p:sp>
-      <p:sp>
-        <p:nvSpPr>
-          <p:cNvPr id="408" name="Google Shape;408;p32"/>
-          <p:cNvSpPr txBox="1"/>
-          <p:nvPr>
-            <p:ph idx="1" type="subTitle"/>
-          </p:nvPr>
-        </p:nvSpPr>
-        <p:spPr>
-          <a:xfrm>
-            <a:off x="358275" y="1281900"/>
-            <a:ext cx="7842600" cy="4602300"/>
-          </a:xfrm>
-          <a:prstGeom prst="rect">
-            <a:avLst/>
-          </a:prstGeom>
-        </p:spPr>
-        <p:txBody>
-          <a:bodyPr anchorCtr="0" anchor="t" bIns="91425" lIns="91425" spcFirstLastPara="1" rIns="91425" wrap="square" tIns="91425">
-            <a:normAutofit/>
-          </a:bodyPr>
-          <a:lstStyle/>
-          <a:p>
-            <a:pPr indent="-374650" lvl="0" marL="457200" rtl="0" algn="l">
-              <a:spcBef>
-                <a:spcPts val="0"/>
-              </a:spcBef>
-              <a:spcAft>
-                <a:spcPts val="0"/>
-              </a:spcAft>
-              <a:buSzPts val="2300"/>
-              <a:buAutoNum type="arabicPeriod"/>
-            </a:pPr>
-            <a:r>
-              <a:rPr lang="en" sz="2300" u="sng">
-                <a:solidFill>
-                  <a:schemeClr val="hlink"/>
-                </a:solidFill>
-                <a:hlinkClick r:id="rId3"/>
-              </a:rPr>
-              <a:t>https://willdrevo.com/fingerprinting-and-audio-recognition-with-python/</a:t>
-            </a:r>
-            <a:endParaRPr sz="2300"/>
-          </a:p>
-          <a:p>
-            <a:pPr indent="-374650" lvl="0" marL="457200" rtl="0" algn="l">
-              <a:spcBef>
-                <a:spcPts val="0"/>
-              </a:spcBef>
-              <a:spcAft>
-                <a:spcPts val="0"/>
-              </a:spcAft>
-              <a:buSzPts val="2300"/>
-              <a:buAutoNum type="arabicPeriod"/>
-            </a:pPr>
-            <a:r>
-              <a:rPr lang="en" sz="2300"/>
-              <a:t>A. Wang, “An industrial strength audio search algorithm.,” Jan 2003.</a:t>
-            </a:r>
-            <a:endParaRPr sz="2300"/>
-          </a:p>
-          <a:p>
-            <a:pPr indent="-374650" lvl="0" marL="457200" rtl="0" algn="l">
-              <a:spcBef>
-                <a:spcPts val="0"/>
-              </a:spcBef>
-              <a:spcAft>
-                <a:spcPts val="0"/>
-              </a:spcAft>
-              <a:buSzPts val="2300"/>
-              <a:buAutoNum type="arabicPeriod"/>
-            </a:pPr>
-            <a:r>
-              <a:rPr lang="en" sz="2300" u="sng">
-                <a:solidFill>
-                  <a:schemeClr val="hlink"/>
-                </a:solidFill>
-                <a:hlinkClick r:id="rId4"/>
-              </a:rPr>
-              <a:t>https://pypi.org/project/PyDejavu/</a:t>
-            </a:r>
-            <a:endParaRPr sz="2300"/>
-          </a:p>
-          <a:p>
-            <a:pPr indent="-374650" lvl="0" marL="457200" rtl="0" algn="l">
-              <a:spcBef>
-                <a:spcPts val="0"/>
-              </a:spcBef>
-              <a:spcAft>
-                <a:spcPts val="0"/>
-              </a:spcAft>
-              <a:buSzPts val="2300"/>
-              <a:buAutoNum type="arabicPeriod"/>
-            </a:pPr>
-            <a:r>
-              <a:rPr lang="en" sz="2300"/>
-              <a:t>https://www.jesusninoc.com/02/06/dejavu-audio-fingerprinting-and-recognition-in-python/</a:t>
-            </a:r>
-            <a:endParaRPr sz="2300"/>
-          </a:p>
-          <a:p>
-            <a:pPr indent="0" lvl="0" marL="457200" rtl="0" algn="l">
-              <a:spcBef>
-                <a:spcPts val="0"/>
-              </a:spcBef>
-              <a:spcAft>
-                <a:spcPts val="0"/>
-              </a:spcAft>
-              <a:buNone/>
-            </a:pPr>
-            <a:r>
-              <a:t/>
-            </a:r>
-            <a:endParaRPr sz="2500"/>
           </a:p>
         </p:txBody>
       </p:sp>
@@ -19443,7 +19075,7 @@
             </a:pPr>
             <a:r>
               <a:rPr lang="en" sz="2300"/>
-              <a:t>Convert all songs to monocanal using ffmpeg.</a:t>
+              <a:t>Convert all songs to mono using ffmpeg.</a:t>
             </a:r>
             <a:endParaRPr sz="2300"/>
           </a:p>
@@ -19789,7 +19421,7 @@
             </a:pPr>
             <a:r>
               <a:rPr lang="en" sz="2300"/>
-              <a:t>Can recognize an recognize a songs by recording microphone input or reading from disk.</a:t>
+              <a:t>Can recognize a songs by recording using microphone or reading from disk.</a:t>
             </a:r>
             <a:endParaRPr sz="2300"/>
           </a:p>
@@ -19895,7 +19527,7 @@
             </a:pPr>
             <a:r>
               <a:rPr lang="en" sz="2840"/>
-              <a:t> Dejavu library</a:t>
+              <a:t>Songs </a:t>
             </a:r>
             <a:endParaRPr sz="2840"/>
           </a:p>
@@ -19924,23 +19556,6 @@
           </a:bodyPr>
           <a:lstStyle/>
           <a:p>
-            <a:pPr indent="-374650" lvl="0" marL="457200" rtl="0" algn="l">
-              <a:spcBef>
-                <a:spcPts val="0"/>
-              </a:spcBef>
-              <a:spcAft>
-                <a:spcPts val="0"/>
-              </a:spcAft>
-              <a:buSzPts val="2300"/>
-              <a:buChar char="●"/>
-            </a:pPr>
-            <a:r>
-              <a:rPr lang="en" sz="2300"/>
-              <a:t>An audio fingerprinting and recognition algorithm implemented in Python.</a:t>
-            </a:r>
-            <a:endParaRPr sz="2300"/>
-          </a:p>
-          <a:p>
             <a:pPr indent="0" lvl="0" marL="457200" rtl="0" algn="l">
               <a:spcBef>
                 <a:spcPts val="0"/>
@@ -19968,7 +19583,7 @@
             </a:pPr>
             <a:r>
               <a:rPr lang="en" sz="2300"/>
-              <a:t>Can memorize an audio by listening to it and fingerprinting it.</a:t>
+              <a:t>We try to include a variety of different kinds of songs in many languages.</a:t>
             </a:r>
             <a:endParaRPr sz="2300"/>
           </a:p>
@@ -20000,12 +19615,35 @@
             </a:pPr>
             <a:r>
               <a:rPr lang="en" sz="2300"/>
-              <a:t>Can recognize an recognize a songs by recording microphone input or reading from disk.</a:t>
+              <a:t>We </a:t>
+            </a:r>
+            <a:r>
+              <a:rPr lang="en" sz="2300"/>
+              <a:t>download</a:t>
+            </a:r>
+            <a:r>
+              <a:rPr lang="en" sz="2300"/>
+              <a:t> them as mp3.</a:t>
             </a:r>
             <a:endParaRPr sz="2300"/>
           </a:p>
           <a:p>
-            <a:pPr indent="0" lvl="0" marL="0" rtl="0" algn="l">
+            <a:pPr indent="0" lvl="0" marL="457200" rtl="0" algn="l">
+              <a:spcBef>
+                <a:spcPts val="0"/>
+              </a:spcBef>
+              <a:spcAft>
+                <a:spcPts val="0"/>
+              </a:spcAft>
+              <a:buNone/>
+            </a:pPr>
+            <a:r>
+              <a:t/>
+            </a:r>
+            <a:endParaRPr sz="2300"/>
+          </a:p>
+          <a:p>
+            <a:pPr indent="0" lvl="0" marL="457200" rtl="0" algn="l">
               <a:spcBef>
                 <a:spcPts val="0"/>
               </a:spcBef>
@@ -20032,7 +19670,41 @@
             </a:pPr>
             <a:r>
               <a:rPr lang="en" sz="2300"/>
-              <a:t>The above happens because it attempts to match the audio against the fingerprints held in database.</a:t>
+              <a:t>We convert them to </a:t>
+            </a:r>
+            <a:r>
+              <a:rPr lang="en" sz="2300"/>
+              <a:t>mono</a:t>
+            </a:r>
+            <a:endParaRPr sz="2300"/>
+          </a:p>
+          <a:p>
+            <a:pPr indent="0" lvl="0" marL="0" rtl="0" algn="l">
+              <a:spcBef>
+                <a:spcPts val="0"/>
+              </a:spcBef>
+              <a:spcAft>
+                <a:spcPts val="0"/>
+              </a:spcAft>
+              <a:buNone/>
+            </a:pPr>
+            <a:r>
+              <a:t/>
+            </a:r>
+            <a:endParaRPr sz="2300"/>
+          </a:p>
+          <a:p>
+            <a:pPr indent="0" lvl="0" marL="0" rtl="0" algn="l">
+              <a:spcBef>
+                <a:spcPts val="0"/>
+              </a:spcBef>
+              <a:spcAft>
+                <a:spcPts val="0"/>
+              </a:spcAft>
+              <a:buNone/>
+            </a:pPr>
+            <a:r>
+              <a:t/>
             </a:r>
             <a:endParaRPr sz="2500"/>
           </a:p>
@@ -20074,456 +19746,6 @@
         <p:spPr>
           <a:xfrm>
             <a:off x="0" y="0"/>
-            <a:ext cx="6720000" cy="957900"/>
-          </a:xfrm>
-          <a:prstGeom prst="rect">
-            <a:avLst/>
-          </a:prstGeom>
-        </p:spPr>
-        <p:txBody>
-          <a:bodyPr anchorCtr="0" anchor="ctr" bIns="91425" lIns="91425" spcFirstLastPara="1" rIns="91425" wrap="square" tIns="91425">
-            <a:noAutofit/>
-          </a:bodyPr>
-          <a:lstStyle/>
-          <a:p>
-            <a:pPr indent="0" lvl="0" marL="0" rtl="0" algn="l">
-              <a:spcBef>
-                <a:spcPts val="0"/>
-              </a:spcBef>
-              <a:spcAft>
-                <a:spcPts val="0"/>
-              </a:spcAft>
-              <a:buSzPts val="990"/>
-              <a:buNone/>
-            </a:pPr>
-            <a:r>
-              <a:rPr lang="en" sz="2840"/>
-              <a:t> Dejavu library</a:t>
-            </a:r>
-            <a:endParaRPr sz="2840"/>
-          </a:p>
-        </p:txBody>
-      </p:sp>
-      <p:sp>
-        <p:nvSpPr>
-          <p:cNvPr id="310" name="Google Shape;310;p18"/>
-          <p:cNvSpPr txBox="1"/>
-          <p:nvPr>
-            <p:ph idx="1" type="subTitle"/>
-          </p:nvPr>
-        </p:nvSpPr>
-        <p:spPr>
-          <a:xfrm>
-            <a:off x="71650" y="995250"/>
-            <a:ext cx="7842600" cy="4180200"/>
-          </a:xfrm>
-          <a:prstGeom prst="rect">
-            <a:avLst/>
-          </a:prstGeom>
-        </p:spPr>
-        <p:txBody>
-          <a:bodyPr anchorCtr="0" anchor="t" bIns="91425" lIns="91425" spcFirstLastPara="1" rIns="91425" wrap="square" tIns="91425">
-            <a:normAutofit/>
-          </a:bodyPr>
-          <a:lstStyle/>
-          <a:p>
-            <a:pPr indent="-374650" lvl="0" marL="457200" rtl="0" algn="l">
-              <a:spcBef>
-                <a:spcPts val="0"/>
-              </a:spcBef>
-              <a:spcAft>
-                <a:spcPts val="0"/>
-              </a:spcAft>
-              <a:buSzPts val="2300"/>
-              <a:buChar char="●"/>
-            </a:pPr>
-            <a:r>
-              <a:rPr lang="en" sz="2300"/>
-              <a:t>An audio fingerprinting and recognition algorithm implemented in Python.</a:t>
-            </a:r>
-            <a:endParaRPr sz="2300"/>
-          </a:p>
-          <a:p>
-            <a:pPr indent="0" lvl="0" marL="457200" rtl="0" algn="l">
-              <a:spcBef>
-                <a:spcPts val="0"/>
-              </a:spcBef>
-              <a:spcAft>
-                <a:spcPts val="0"/>
-              </a:spcAft>
-              <a:buNone/>
-            </a:pPr>
-            <a:r>
-              <a:t/>
-            </a:r>
-            <a:endParaRPr sz="2300"/>
-          </a:p>
-          <a:p>
-            <a:pPr indent="-374650" lvl="0" marL="457200" rtl="0" algn="l">
-              <a:spcBef>
-                <a:spcPts val="0"/>
-              </a:spcBef>
-              <a:spcAft>
-                <a:spcPts val="0"/>
-              </a:spcAft>
-              <a:buSzPts val="2300"/>
-              <a:buChar char="●"/>
-            </a:pPr>
-            <a:r>
-              <a:rPr lang="en" sz="2300"/>
-              <a:t>Can memorize an audio by listening to it and fingerprinting it.</a:t>
-            </a:r>
-            <a:endParaRPr sz="2300"/>
-          </a:p>
-          <a:p>
-            <a:pPr indent="0" lvl="0" marL="457200" rtl="0" algn="l">
-              <a:spcBef>
-                <a:spcPts val="0"/>
-              </a:spcBef>
-              <a:spcAft>
-                <a:spcPts val="0"/>
-              </a:spcAft>
-              <a:buNone/>
-            </a:pPr>
-            <a:r>
-              <a:t/>
-            </a:r>
-            <a:endParaRPr sz="2300"/>
-          </a:p>
-          <a:p>
-            <a:pPr indent="-374650" lvl="0" marL="457200" rtl="0" algn="l">
-              <a:spcBef>
-                <a:spcPts val="0"/>
-              </a:spcBef>
-              <a:spcAft>
-                <a:spcPts val="0"/>
-              </a:spcAft>
-              <a:buSzPts val="2300"/>
-              <a:buChar char="●"/>
-            </a:pPr>
-            <a:r>
-              <a:rPr lang="en" sz="2300"/>
-              <a:t>Can recognize an recognize a songs by recording microphone input or reading from disk.</a:t>
-            </a:r>
-            <a:endParaRPr sz="2300"/>
-          </a:p>
-          <a:p>
-            <a:pPr indent="0" lvl="0" marL="0" rtl="0" algn="l">
-              <a:spcBef>
-                <a:spcPts val="0"/>
-              </a:spcBef>
-              <a:spcAft>
-                <a:spcPts val="0"/>
-              </a:spcAft>
-              <a:buNone/>
-            </a:pPr>
-            <a:r>
-              <a:t/>
-            </a:r>
-            <a:endParaRPr sz="2300"/>
-          </a:p>
-          <a:p>
-            <a:pPr indent="-374650" lvl="0" marL="457200" rtl="0" algn="l">
-              <a:spcBef>
-                <a:spcPts val="0"/>
-              </a:spcBef>
-              <a:spcAft>
-                <a:spcPts val="0"/>
-              </a:spcAft>
-              <a:buSzPts val="2300"/>
-              <a:buChar char="●"/>
-            </a:pPr>
-            <a:r>
-              <a:rPr lang="en" sz="2300"/>
-              <a:t>The above happens because it attempts to match the audio against the fingerprints held in database.</a:t>
-            </a:r>
-            <a:endParaRPr sz="2500"/>
-          </a:p>
-        </p:txBody>
-      </p:sp>
-    </p:spTree>
-  </p:cSld>
-  <p:clrMapOvr>
-    <a:masterClrMapping/>
-  </p:clrMapOvr>
-</p:sld>
-</file>
-
-<file path=ppt/slides/slide7.xml><?xml version="1.0" encoding="utf-8"?>
-<p:sld xmlns:a="http://schemas.openxmlformats.org/drawingml/2006/main" xmlns:r="http://schemas.openxmlformats.org/officeDocument/2006/relationships" xmlns:mc="http://schemas.openxmlformats.org/markup-compatibility/2006" xmlns:mv="urn:schemas-microsoft-com:mac:vml" xmlns:p="http://schemas.openxmlformats.org/presentationml/2006/main" xmlns:c="http://schemas.openxmlformats.org/drawingml/2006/chart" xmlns:dgm="http://schemas.openxmlformats.org/drawingml/2006/diagram" xmlns:o="urn:schemas-microsoft-com:office:office" xmlns:v="urn:schemas-microsoft-com:vml" xmlns:pvml="urn:schemas-microsoft-com:office:powerpoint" xmlns:com="http://schemas.openxmlformats.org/drawingml/2006/compatibility" xmlns:p14="http://schemas.microsoft.com/office/powerpoint/2010/main" xmlns:p15="http://schemas.microsoft.com/office/powerpoint/2012/main" xmlns:ahyp="http://schemas.microsoft.com/office/drawing/2018/hyperlinkcolor">
-  <p:cSld>
-    <p:spTree>
-      <p:nvGrpSpPr>
-        <p:cNvPr id="314" name="Shape 314"/>
-        <p:cNvGrpSpPr/>
-        <p:nvPr/>
-      </p:nvGrpSpPr>
-      <p:grpSpPr>
-        <a:xfrm>
-          <a:off x="0" y="0"/>
-          <a:ext cx="0" cy="0"/>
-          <a:chOff x="0" y="0"/>
-          <a:chExt cx="0" cy="0"/>
-        </a:xfrm>
-      </p:grpSpPr>
-      <p:sp>
-        <p:nvSpPr>
-          <p:cNvPr id="315" name="Google Shape;315;p19"/>
-          <p:cNvSpPr txBox="1"/>
-          <p:nvPr>
-            <p:ph type="ctrTitle"/>
-          </p:nvPr>
-        </p:nvSpPr>
-        <p:spPr>
-          <a:xfrm>
-            <a:off x="0" y="0"/>
-            <a:ext cx="6720000" cy="957900"/>
-          </a:xfrm>
-          <a:prstGeom prst="rect">
-            <a:avLst/>
-          </a:prstGeom>
-        </p:spPr>
-        <p:txBody>
-          <a:bodyPr anchorCtr="0" anchor="ctr" bIns="91425" lIns="91425" spcFirstLastPara="1" rIns="91425" wrap="square" tIns="91425">
-            <a:noAutofit/>
-          </a:bodyPr>
-          <a:lstStyle/>
-          <a:p>
-            <a:pPr indent="0" lvl="0" marL="0" rtl="0" algn="l">
-              <a:spcBef>
-                <a:spcPts val="0"/>
-              </a:spcBef>
-              <a:spcAft>
-                <a:spcPts val="0"/>
-              </a:spcAft>
-              <a:buSzPts val="990"/>
-              <a:buNone/>
-            </a:pPr>
-            <a:r>
-              <a:rPr lang="en" sz="2840"/>
-              <a:t>Songs </a:t>
-            </a:r>
-            <a:endParaRPr sz="2840"/>
-          </a:p>
-        </p:txBody>
-      </p:sp>
-      <p:sp>
-        <p:nvSpPr>
-          <p:cNvPr id="316" name="Google Shape;316;p19"/>
-          <p:cNvSpPr txBox="1"/>
-          <p:nvPr>
-            <p:ph idx="1" type="subTitle"/>
-          </p:nvPr>
-        </p:nvSpPr>
-        <p:spPr>
-          <a:xfrm>
-            <a:off x="71650" y="995250"/>
-            <a:ext cx="7842600" cy="4180200"/>
-          </a:xfrm>
-          <a:prstGeom prst="rect">
-            <a:avLst/>
-          </a:prstGeom>
-        </p:spPr>
-        <p:txBody>
-          <a:bodyPr anchorCtr="0" anchor="t" bIns="91425" lIns="91425" spcFirstLastPara="1" rIns="91425" wrap="square" tIns="91425">
-            <a:normAutofit/>
-          </a:bodyPr>
-          <a:lstStyle/>
-          <a:p>
-            <a:pPr indent="0" lvl="0" marL="457200" rtl="0" algn="l">
-              <a:spcBef>
-                <a:spcPts val="0"/>
-              </a:spcBef>
-              <a:spcAft>
-                <a:spcPts val="0"/>
-              </a:spcAft>
-              <a:buNone/>
-            </a:pPr>
-            <a:r>
-              <a:t/>
-            </a:r>
-            <a:endParaRPr sz="2300"/>
-          </a:p>
-          <a:p>
-            <a:pPr indent="-374650" lvl="0" marL="457200" rtl="0" algn="l">
-              <a:spcBef>
-                <a:spcPts val="0"/>
-              </a:spcBef>
-              <a:spcAft>
-                <a:spcPts val="0"/>
-              </a:spcAft>
-              <a:buSzPts val="2300"/>
-              <a:buChar char="●"/>
-            </a:pPr>
-            <a:r>
-              <a:rPr lang="en" sz="2300"/>
-              <a:t>We try to include a variety of different kinds of songs in many languages.</a:t>
-            </a:r>
-            <a:endParaRPr sz="2300"/>
-          </a:p>
-          <a:p>
-            <a:pPr indent="0" lvl="0" marL="457200" rtl="0" algn="l">
-              <a:spcBef>
-                <a:spcPts val="0"/>
-              </a:spcBef>
-              <a:spcAft>
-                <a:spcPts val="0"/>
-              </a:spcAft>
-              <a:buNone/>
-            </a:pPr>
-            <a:r>
-              <a:t/>
-            </a:r>
-            <a:endParaRPr sz="2300"/>
-          </a:p>
-          <a:p>
-            <a:pPr indent="-374650" lvl="0" marL="457200" rtl="0" algn="l">
-              <a:spcBef>
-                <a:spcPts val="0"/>
-              </a:spcBef>
-              <a:spcAft>
-                <a:spcPts val="0"/>
-              </a:spcAft>
-              <a:buSzPts val="2300"/>
-              <a:buChar char="●"/>
-            </a:pPr>
-            <a:r>
-              <a:rPr lang="en" sz="2300"/>
-              <a:t>We </a:t>
-            </a:r>
-            <a:r>
-              <a:rPr lang="en" sz="2300"/>
-              <a:t>download</a:t>
-            </a:r>
-            <a:r>
-              <a:rPr lang="en" sz="2300"/>
-              <a:t> them as mp3.</a:t>
-            </a:r>
-            <a:endParaRPr sz="2300"/>
-          </a:p>
-          <a:p>
-            <a:pPr indent="0" lvl="0" marL="457200" rtl="0" algn="l">
-              <a:spcBef>
-                <a:spcPts val="0"/>
-              </a:spcBef>
-              <a:spcAft>
-                <a:spcPts val="0"/>
-              </a:spcAft>
-              <a:buNone/>
-            </a:pPr>
-            <a:r>
-              <a:t/>
-            </a:r>
-            <a:endParaRPr sz="2300"/>
-          </a:p>
-          <a:p>
-            <a:pPr indent="0" lvl="0" marL="457200" rtl="0" algn="l">
-              <a:spcBef>
-                <a:spcPts val="0"/>
-              </a:spcBef>
-              <a:spcAft>
-                <a:spcPts val="0"/>
-              </a:spcAft>
-              <a:buNone/>
-            </a:pPr>
-            <a:r>
-              <a:t/>
-            </a:r>
-            <a:endParaRPr sz="2300"/>
-          </a:p>
-          <a:p>
-            <a:pPr indent="-374650" lvl="0" marL="457200" rtl="0" algn="l">
-              <a:spcBef>
-                <a:spcPts val="0"/>
-              </a:spcBef>
-              <a:spcAft>
-                <a:spcPts val="0"/>
-              </a:spcAft>
-              <a:buSzPts val="2300"/>
-              <a:buChar char="●"/>
-            </a:pPr>
-            <a:r>
-              <a:rPr lang="en" sz="2300"/>
-              <a:t>We convert them to </a:t>
-            </a:r>
-            <a:r>
-              <a:rPr lang="en" sz="2300"/>
-              <a:t>monocanals</a:t>
-            </a:r>
-            <a:r>
-              <a:rPr lang="en" sz="2300"/>
-              <a:t>.</a:t>
-            </a:r>
-            <a:endParaRPr sz="2300"/>
-          </a:p>
-          <a:p>
-            <a:pPr indent="0" lvl="0" marL="0" rtl="0" algn="l">
-              <a:spcBef>
-                <a:spcPts val="0"/>
-              </a:spcBef>
-              <a:spcAft>
-                <a:spcPts val="0"/>
-              </a:spcAft>
-              <a:buNone/>
-            </a:pPr>
-            <a:r>
-              <a:t/>
-            </a:r>
-            <a:endParaRPr sz="2300"/>
-          </a:p>
-          <a:p>
-            <a:pPr indent="0" lvl="0" marL="0" rtl="0" algn="l">
-              <a:spcBef>
-                <a:spcPts val="0"/>
-              </a:spcBef>
-              <a:spcAft>
-                <a:spcPts val="0"/>
-              </a:spcAft>
-              <a:buNone/>
-            </a:pPr>
-            <a:r>
-              <a:t/>
-            </a:r>
-            <a:endParaRPr sz="2500"/>
-          </a:p>
-        </p:txBody>
-      </p:sp>
-    </p:spTree>
-  </p:cSld>
-  <p:clrMapOvr>
-    <a:masterClrMapping/>
-  </p:clrMapOvr>
-</p:sld>
-</file>
-
-<file path=ppt/slides/slide8.xml><?xml version="1.0" encoding="utf-8"?>
-<p:sld xmlns:a="http://schemas.openxmlformats.org/drawingml/2006/main" xmlns:r="http://schemas.openxmlformats.org/officeDocument/2006/relationships" xmlns:mc="http://schemas.openxmlformats.org/markup-compatibility/2006" xmlns:mv="urn:schemas-microsoft-com:mac:vml" xmlns:p="http://schemas.openxmlformats.org/presentationml/2006/main" xmlns:c="http://schemas.openxmlformats.org/drawingml/2006/chart" xmlns:dgm="http://schemas.openxmlformats.org/drawingml/2006/diagram" xmlns:o="urn:schemas-microsoft-com:office:office" xmlns:v="urn:schemas-microsoft-com:vml" xmlns:pvml="urn:schemas-microsoft-com:office:powerpoint" xmlns:com="http://schemas.openxmlformats.org/drawingml/2006/compatibility" xmlns:p14="http://schemas.microsoft.com/office/powerpoint/2010/main" xmlns:p15="http://schemas.microsoft.com/office/powerpoint/2012/main" xmlns:ahyp="http://schemas.microsoft.com/office/drawing/2018/hyperlinkcolor">
-  <p:cSld>
-    <p:spTree>
-      <p:nvGrpSpPr>
-        <p:cNvPr id="320" name="Shape 320"/>
-        <p:cNvGrpSpPr/>
-        <p:nvPr/>
-      </p:nvGrpSpPr>
-      <p:grpSpPr>
-        <a:xfrm>
-          <a:off x="0" y="0"/>
-          <a:ext cx="0" cy="0"/>
-          <a:chOff x="0" y="0"/>
-          <a:chExt cx="0" cy="0"/>
-        </a:xfrm>
-      </p:grpSpPr>
-      <p:sp>
-        <p:nvSpPr>
-          <p:cNvPr id="321" name="Google Shape;321;p20"/>
-          <p:cNvSpPr txBox="1"/>
-          <p:nvPr>
-            <p:ph type="ctrTitle"/>
-          </p:nvPr>
-        </p:nvSpPr>
-        <p:spPr>
-          <a:xfrm>
-            <a:off x="0" y="0"/>
             <a:ext cx="6720000" cy="796200"/>
           </a:xfrm>
           <a:prstGeom prst="rect">
@@ -20560,7 +19782,7 @@
       </p:sp>
       <p:sp>
         <p:nvSpPr>
-          <p:cNvPr id="322" name="Google Shape;322;p20"/>
+          <p:cNvPr id="310" name="Google Shape;310;p18"/>
           <p:cNvSpPr txBox="1"/>
           <p:nvPr>
             <p:ph idx="1" type="subTitle"/>
@@ -20641,7 +19863,7 @@
       </p:sp>
       <p:pic>
         <p:nvPicPr>
-          <p:cNvPr id="323" name="Google Shape;323;p20"/>
+          <p:cNvPr id="311" name="Google Shape;311;p18"/>
           <p:cNvPicPr preferRelativeResize="0"/>
           <p:nvPr/>
         </p:nvPicPr>
@@ -20675,12 +19897,12 @@
 </p:sld>
 </file>
 
-<file path=ppt/slides/slide9.xml><?xml version="1.0" encoding="utf-8"?>
+<file path=ppt/slides/slide7.xml><?xml version="1.0" encoding="utf-8"?>
 <p:sld xmlns:a="http://schemas.openxmlformats.org/drawingml/2006/main" xmlns:r="http://schemas.openxmlformats.org/officeDocument/2006/relationships" xmlns:mc="http://schemas.openxmlformats.org/markup-compatibility/2006" xmlns:mv="urn:schemas-microsoft-com:mac:vml" xmlns:p="http://schemas.openxmlformats.org/presentationml/2006/main" xmlns:c="http://schemas.openxmlformats.org/drawingml/2006/chart" xmlns:dgm="http://schemas.openxmlformats.org/drawingml/2006/diagram" xmlns:o="urn:schemas-microsoft-com:office:office" xmlns:v="urn:schemas-microsoft-com:vml" xmlns:pvml="urn:schemas-microsoft-com:office:powerpoint" xmlns:com="http://schemas.openxmlformats.org/drawingml/2006/compatibility" xmlns:p14="http://schemas.microsoft.com/office/powerpoint/2010/main" xmlns:p15="http://schemas.microsoft.com/office/powerpoint/2012/main" xmlns:ahyp="http://schemas.microsoft.com/office/drawing/2018/hyperlinkcolor">
   <p:cSld>
     <p:spTree>
       <p:nvGrpSpPr>
-        <p:cNvPr id="327" name="Shape 327"/>
+        <p:cNvPr id="315" name="Shape 315"/>
         <p:cNvGrpSpPr/>
         <p:nvPr/>
       </p:nvGrpSpPr>
@@ -20694,7 +19916,7 @@
       </p:grpSpPr>
       <p:sp>
         <p:nvSpPr>
-          <p:cNvPr id="328" name="Google Shape;328;p21"/>
+          <p:cNvPr id="316" name="Google Shape;316;p19"/>
           <p:cNvSpPr txBox="1"/>
           <p:nvPr>
             <p:ph type="ctrTitle"/>
@@ -20735,7 +19957,7 @@
       </p:sp>
       <p:sp>
         <p:nvSpPr>
-          <p:cNvPr id="329" name="Google Shape;329;p21"/>
+          <p:cNvPr id="317" name="Google Shape;317;p19"/>
           <p:cNvSpPr txBox="1"/>
           <p:nvPr>
             <p:ph idx="1" type="subTitle"/>
@@ -20808,7 +20030,7 @@
       </p:sp>
       <p:pic>
         <p:nvPicPr>
-          <p:cNvPr id="330" name="Google Shape;330;p21"/>
+          <p:cNvPr id="318" name="Google Shape;318;p19"/>
           <p:cNvPicPr preferRelativeResize="0"/>
           <p:nvPr/>
         </p:nvPicPr>
@@ -20824,6 +20046,340 @@
           <a:xfrm>
             <a:off x="4753350" y="1122650"/>
             <a:ext cx="4028801" cy="3981050"/>
+          </a:xfrm>
+          <a:prstGeom prst="rect">
+            <a:avLst/>
+          </a:prstGeom>
+          <a:noFill/>
+          <a:ln>
+            <a:noFill/>
+          </a:ln>
+        </p:spPr>
+      </p:pic>
+    </p:spTree>
+  </p:cSld>
+  <p:clrMapOvr>
+    <a:masterClrMapping/>
+  </p:clrMapOvr>
+</p:sld>
+</file>
+
+<file path=ppt/slides/slide8.xml><?xml version="1.0" encoding="utf-8"?>
+<p:sld xmlns:a="http://schemas.openxmlformats.org/drawingml/2006/main" xmlns:r="http://schemas.openxmlformats.org/officeDocument/2006/relationships" xmlns:mc="http://schemas.openxmlformats.org/markup-compatibility/2006" xmlns:mv="urn:schemas-microsoft-com:mac:vml" xmlns:p="http://schemas.openxmlformats.org/presentationml/2006/main" xmlns:c="http://schemas.openxmlformats.org/drawingml/2006/chart" xmlns:dgm="http://schemas.openxmlformats.org/drawingml/2006/diagram" xmlns:o="urn:schemas-microsoft-com:office:office" xmlns:v="urn:schemas-microsoft-com:vml" xmlns:pvml="urn:schemas-microsoft-com:office:powerpoint" xmlns:com="http://schemas.openxmlformats.org/drawingml/2006/compatibility" xmlns:p14="http://schemas.microsoft.com/office/powerpoint/2010/main" xmlns:p15="http://schemas.microsoft.com/office/powerpoint/2012/main" xmlns:ahyp="http://schemas.microsoft.com/office/drawing/2018/hyperlinkcolor">
+  <p:cSld>
+    <p:spTree>
+      <p:nvGrpSpPr>
+        <p:cNvPr id="322" name="Shape 322"/>
+        <p:cNvGrpSpPr/>
+        <p:nvPr/>
+      </p:nvGrpSpPr>
+      <p:grpSpPr>
+        <a:xfrm>
+          <a:off x="0" y="0"/>
+          <a:ext cx="0" cy="0"/>
+          <a:chOff x="0" y="0"/>
+          <a:chExt cx="0" cy="0"/>
+        </a:xfrm>
+      </p:grpSpPr>
+      <p:sp>
+        <p:nvSpPr>
+          <p:cNvPr id="323" name="Google Shape;323;p20"/>
+          <p:cNvSpPr txBox="1"/>
+          <p:nvPr>
+            <p:ph type="ctrTitle"/>
+          </p:nvPr>
+        </p:nvSpPr>
+        <p:spPr>
+          <a:xfrm>
+            <a:off x="0" y="0"/>
+            <a:ext cx="6720000" cy="796200"/>
+          </a:xfrm>
+          <a:prstGeom prst="rect">
+            <a:avLst/>
+          </a:prstGeom>
+        </p:spPr>
+        <p:txBody>
+          <a:bodyPr anchorCtr="0" anchor="ctr" bIns="91425" lIns="91425" spcFirstLastPara="1" rIns="91425" wrap="square" tIns="91425">
+            <a:noAutofit/>
+          </a:bodyPr>
+          <a:lstStyle/>
+          <a:p>
+            <a:pPr indent="0" lvl="0" marL="0" rtl="0" algn="l">
+              <a:spcBef>
+                <a:spcPts val="0"/>
+              </a:spcBef>
+              <a:spcAft>
+                <a:spcPts val="0"/>
+              </a:spcAft>
+              <a:buSzPts val="990"/>
+              <a:buNone/>
+            </a:pPr>
+            <a:r>
+              <a:rPr lang="en" sz="2840"/>
+              <a:t>Integration test </a:t>
+            </a:r>
+            <a:endParaRPr sz="2840"/>
+          </a:p>
+        </p:txBody>
+      </p:sp>
+      <p:sp>
+        <p:nvSpPr>
+          <p:cNvPr id="324" name="Google Shape;324;p20"/>
+          <p:cNvSpPr txBox="1"/>
+          <p:nvPr>
+            <p:ph idx="1" type="subTitle"/>
+          </p:nvPr>
+        </p:nvSpPr>
+        <p:spPr>
+          <a:xfrm>
+            <a:off x="71650" y="684750"/>
+            <a:ext cx="7842600" cy="4490700"/>
+          </a:xfrm>
+          <a:prstGeom prst="rect">
+            <a:avLst/>
+          </a:prstGeom>
+        </p:spPr>
+        <p:txBody>
+          <a:bodyPr anchorCtr="0" anchor="t" bIns="91425" lIns="91425" spcFirstLastPara="1" rIns="91425" wrap="square" tIns="91425">
+            <a:normAutofit/>
+          </a:bodyPr>
+          <a:lstStyle/>
+          <a:p>
+            <a:pPr indent="-374650" lvl="0" marL="457200" rtl="0" algn="l">
+              <a:spcBef>
+                <a:spcPts val="0"/>
+              </a:spcBef>
+              <a:spcAft>
+                <a:spcPts val="0"/>
+              </a:spcAft>
+              <a:buSzPts val="2300"/>
+              <a:buChar char="●"/>
+            </a:pPr>
+            <a:r>
+              <a:rPr lang="en" sz="2300"/>
+              <a:t>We test evaluation and performance with different time queries in all databases</a:t>
+            </a:r>
+            <a:endParaRPr sz="2300"/>
+          </a:p>
+          <a:p>
+            <a:pPr indent="-374650" lvl="1" marL="914400" rtl="0" algn="l">
+              <a:spcBef>
+                <a:spcPts val="0"/>
+              </a:spcBef>
+              <a:spcAft>
+                <a:spcPts val="0"/>
+              </a:spcAft>
+              <a:buSzPts val="2300"/>
+              <a:buChar char="○"/>
+            </a:pPr>
+            <a:r>
+              <a:rPr lang="en" sz="2300"/>
+              <a:t>For 3 sec query:</a:t>
+            </a:r>
+            <a:endParaRPr sz="2300"/>
+          </a:p>
+          <a:p>
+            <a:pPr indent="0" lvl="0" marL="457200" rtl="0" algn="l">
+              <a:spcBef>
+                <a:spcPts val="0"/>
+              </a:spcBef>
+              <a:spcAft>
+                <a:spcPts val="0"/>
+              </a:spcAft>
+              <a:buNone/>
+            </a:pPr>
+            <a:r>
+              <a:t/>
+            </a:r>
+            <a:endParaRPr sz="2500"/>
+          </a:p>
+        </p:txBody>
+      </p:sp>
+      <p:pic>
+        <p:nvPicPr>
+          <p:cNvPr id="325" name="Google Shape;325;p20"/>
+          <p:cNvPicPr preferRelativeResize="0"/>
+          <p:nvPr/>
+        </p:nvPicPr>
+        <p:blipFill>
+          <a:blip r:embed="rId3">
+            <a:alphaModFix/>
+          </a:blip>
+          <a:stretch>
+            <a:fillRect/>
+          </a:stretch>
+        </p:blipFill>
+        <p:spPr>
+          <a:xfrm>
+            <a:off x="4858625" y="1106725"/>
+            <a:ext cx="3963349" cy="4004925"/>
+          </a:xfrm>
+          <a:prstGeom prst="rect">
+            <a:avLst/>
+          </a:prstGeom>
+          <a:noFill/>
+          <a:ln>
+            <a:noFill/>
+          </a:ln>
+        </p:spPr>
+      </p:pic>
+    </p:spTree>
+  </p:cSld>
+  <p:clrMapOvr>
+    <a:masterClrMapping/>
+  </p:clrMapOvr>
+</p:sld>
+</file>
+
+<file path=ppt/slides/slide9.xml><?xml version="1.0" encoding="utf-8"?>
+<p:sld xmlns:a="http://schemas.openxmlformats.org/drawingml/2006/main" xmlns:r="http://schemas.openxmlformats.org/officeDocument/2006/relationships" xmlns:mc="http://schemas.openxmlformats.org/markup-compatibility/2006" xmlns:mv="urn:schemas-microsoft-com:mac:vml" xmlns:p="http://schemas.openxmlformats.org/presentationml/2006/main" xmlns:c="http://schemas.openxmlformats.org/drawingml/2006/chart" xmlns:dgm="http://schemas.openxmlformats.org/drawingml/2006/diagram" xmlns:o="urn:schemas-microsoft-com:office:office" xmlns:v="urn:schemas-microsoft-com:vml" xmlns:pvml="urn:schemas-microsoft-com:office:powerpoint" xmlns:com="http://schemas.openxmlformats.org/drawingml/2006/compatibility" xmlns:p14="http://schemas.microsoft.com/office/powerpoint/2010/main" xmlns:p15="http://schemas.microsoft.com/office/powerpoint/2012/main" xmlns:ahyp="http://schemas.microsoft.com/office/drawing/2018/hyperlinkcolor">
+  <p:cSld>
+    <p:spTree>
+      <p:nvGrpSpPr>
+        <p:cNvPr id="329" name="Shape 329"/>
+        <p:cNvGrpSpPr/>
+        <p:nvPr/>
+      </p:nvGrpSpPr>
+      <p:grpSpPr>
+        <a:xfrm>
+          <a:off x="0" y="0"/>
+          <a:ext cx="0" cy="0"/>
+          <a:chOff x="0" y="0"/>
+          <a:chExt cx="0" cy="0"/>
+        </a:xfrm>
+      </p:grpSpPr>
+      <p:sp>
+        <p:nvSpPr>
+          <p:cNvPr id="330" name="Google Shape;330;p21"/>
+          <p:cNvSpPr txBox="1"/>
+          <p:nvPr>
+            <p:ph type="ctrTitle"/>
+          </p:nvPr>
+        </p:nvSpPr>
+        <p:spPr>
+          <a:xfrm>
+            <a:off x="0" y="0"/>
+            <a:ext cx="6720000" cy="796200"/>
+          </a:xfrm>
+          <a:prstGeom prst="rect">
+            <a:avLst/>
+          </a:prstGeom>
+        </p:spPr>
+        <p:txBody>
+          <a:bodyPr anchorCtr="0" anchor="ctr" bIns="91425" lIns="91425" spcFirstLastPara="1" rIns="91425" wrap="square" tIns="91425">
+            <a:noAutofit/>
+          </a:bodyPr>
+          <a:lstStyle/>
+          <a:p>
+            <a:pPr indent="0" lvl="0" marL="0" rtl="0" algn="l">
+              <a:spcBef>
+                <a:spcPts val="0"/>
+              </a:spcBef>
+              <a:spcAft>
+                <a:spcPts val="0"/>
+              </a:spcAft>
+              <a:buSzPts val="990"/>
+              <a:buNone/>
+            </a:pPr>
+            <a:r>
+              <a:rPr lang="en" sz="2840"/>
+              <a:t>Integration test </a:t>
+            </a:r>
+            <a:endParaRPr sz="2840"/>
+          </a:p>
+        </p:txBody>
+      </p:sp>
+      <p:sp>
+        <p:nvSpPr>
+          <p:cNvPr id="331" name="Google Shape;331;p21"/>
+          <p:cNvSpPr txBox="1"/>
+          <p:nvPr>
+            <p:ph idx="1" type="subTitle"/>
+          </p:nvPr>
+        </p:nvSpPr>
+        <p:spPr>
+          <a:xfrm>
+            <a:off x="71650" y="684750"/>
+            <a:ext cx="7842600" cy="4490700"/>
+          </a:xfrm>
+          <a:prstGeom prst="rect">
+            <a:avLst/>
+          </a:prstGeom>
+        </p:spPr>
+        <p:txBody>
+          <a:bodyPr anchorCtr="0" anchor="t" bIns="91425" lIns="91425" spcFirstLastPara="1" rIns="91425" wrap="square" tIns="91425">
+            <a:normAutofit/>
+          </a:bodyPr>
+          <a:lstStyle/>
+          <a:p>
+            <a:pPr indent="-374650" lvl="0" marL="457200" rtl="0" algn="l">
+              <a:spcBef>
+                <a:spcPts val="0"/>
+              </a:spcBef>
+              <a:spcAft>
+                <a:spcPts val="0"/>
+              </a:spcAft>
+              <a:buSzPts val="2300"/>
+              <a:buChar char="●"/>
+            </a:pPr>
+            <a:r>
+              <a:rPr lang="en" sz="2300"/>
+              <a:t>We test evaluation and performance with different time queries in all databases</a:t>
+            </a:r>
+            <a:endParaRPr sz="2300"/>
+          </a:p>
+          <a:p>
+            <a:pPr indent="-374650" lvl="1" marL="914400" rtl="0" algn="l">
+              <a:spcBef>
+                <a:spcPts val="0"/>
+              </a:spcBef>
+              <a:spcAft>
+                <a:spcPts val="0"/>
+              </a:spcAft>
+              <a:buSzPts val="2300"/>
+              <a:buChar char="○"/>
+            </a:pPr>
+            <a:r>
+              <a:rPr lang="en" sz="2300"/>
+              <a:t>For 4 sec query:</a:t>
+            </a:r>
+            <a:endParaRPr sz="2300"/>
+          </a:p>
+          <a:p>
+            <a:pPr indent="0" lvl="0" marL="457200" rtl="0" algn="l">
+              <a:spcBef>
+                <a:spcPts val="0"/>
+              </a:spcBef>
+              <a:spcAft>
+                <a:spcPts val="0"/>
+              </a:spcAft>
+              <a:buNone/>
+            </a:pPr>
+            <a:r>
+              <a:t/>
+            </a:r>
+            <a:endParaRPr sz="2500"/>
+          </a:p>
+        </p:txBody>
+      </p:sp>
+      <p:pic>
+        <p:nvPicPr>
+          <p:cNvPr id="332" name="Google Shape;332;p21"/>
+          <p:cNvPicPr preferRelativeResize="0"/>
+          <p:nvPr/>
+        </p:nvPicPr>
+        <p:blipFill>
+          <a:blip r:embed="rId3">
+            <a:alphaModFix/>
+          </a:blip>
+          <a:stretch>
+            <a:fillRect/>
+          </a:stretch>
+        </p:blipFill>
+        <p:spPr>
+          <a:xfrm>
+            <a:off x="4739225" y="1122650"/>
+            <a:ext cx="4203975" cy="3989001"/>
           </a:xfrm>
           <a:prstGeom prst="rect">
             <a:avLst/>
